--- a/進入你的同在.pptx
+++ b/進入你的同在.pptx
@@ -5,10 +5,15 @@
     <p:sldMasterId id="2147483660" r:id="rId1"/>
   </p:sldMasterIdLst>
   <p:sldIdLst>
-    <p:sldId id="257" r:id="rId2"/>
-    <p:sldId id="258" r:id="rId3"/>
-    <p:sldId id="259" r:id="rId4"/>
-    <p:sldId id="260" r:id="rId5"/>
+    <p:sldId id="261" r:id="rId2"/>
+    <p:sldId id="262" r:id="rId3"/>
+    <p:sldId id="263" r:id="rId4"/>
+    <p:sldId id="264" r:id="rId5"/>
+    <p:sldId id="265" r:id="rId6"/>
+    <p:sldId id="266" r:id="rId7"/>
+    <p:sldId id="267" r:id="rId8"/>
+    <p:sldId id="268" r:id="rId9"/>
+    <p:sldId id="269" r:id="rId10"/>
   </p:sldIdLst>
   <p:sldSz cx="12192000" cy="6858000"/>
   <p:notesSz cx="6858000" cy="9144000"/>
@@ -107,6 +112,11 @@
       </a:defRPr>
     </a:lvl9pPr>
   </p:defaultTextStyle>
+  <p:extLst>
+    <p:ext uri="{EFAFB233-063F-42B5-8137-9DF3F51BA10A}">
+      <p15:sldGuideLst xmlns:p15="http://schemas.microsoft.com/office/powerpoint/2012/main"/>
+    </p:ext>
+  </p:extLst>
 </p:presentation>
 </file>
 
@@ -291,7 +301,7 @@
           <a:p>
             <a:fld id="{D45E875E-E62D-4977-9C36-DA63769E2105}" type="datetimeFigureOut">
               <a:rPr lang="vi-VN" smtClean="0"/>
-              <a:t>14/03/2020</a:t>
+              <a:t>26/11/2022</a:t>
             </a:fld>
             <a:endParaRPr lang="vi-VN"/>
           </a:p>
@@ -461,7 +471,7 @@
           <a:p>
             <a:fld id="{D45E875E-E62D-4977-9C36-DA63769E2105}" type="datetimeFigureOut">
               <a:rPr lang="vi-VN" smtClean="0"/>
-              <a:t>14/03/2020</a:t>
+              <a:t>26/11/2022</a:t>
             </a:fld>
             <a:endParaRPr lang="vi-VN"/>
           </a:p>
@@ -641,7 +651,7 @@
           <a:p>
             <a:fld id="{D45E875E-E62D-4977-9C36-DA63769E2105}" type="datetimeFigureOut">
               <a:rPr lang="vi-VN" smtClean="0"/>
-              <a:t>14/03/2020</a:t>
+              <a:t>26/11/2022</a:t>
             </a:fld>
             <a:endParaRPr lang="vi-VN"/>
           </a:p>
@@ -811,7 +821,7 @@
           <a:p>
             <a:fld id="{D45E875E-E62D-4977-9C36-DA63769E2105}" type="datetimeFigureOut">
               <a:rPr lang="vi-VN" smtClean="0"/>
-              <a:t>14/03/2020</a:t>
+              <a:t>26/11/2022</a:t>
             </a:fld>
             <a:endParaRPr lang="vi-VN"/>
           </a:p>
@@ -1057,7 +1067,7 @@
           <a:p>
             <a:fld id="{D45E875E-E62D-4977-9C36-DA63769E2105}" type="datetimeFigureOut">
               <a:rPr lang="vi-VN" smtClean="0"/>
-              <a:t>14/03/2020</a:t>
+              <a:t>26/11/2022</a:t>
             </a:fld>
             <a:endParaRPr lang="vi-VN"/>
           </a:p>
@@ -1345,7 +1355,7 @@
           <a:p>
             <a:fld id="{D45E875E-E62D-4977-9C36-DA63769E2105}" type="datetimeFigureOut">
               <a:rPr lang="vi-VN" smtClean="0"/>
-              <a:t>14/03/2020</a:t>
+              <a:t>26/11/2022</a:t>
             </a:fld>
             <a:endParaRPr lang="vi-VN"/>
           </a:p>
@@ -1767,7 +1777,7 @@
           <a:p>
             <a:fld id="{D45E875E-E62D-4977-9C36-DA63769E2105}" type="datetimeFigureOut">
               <a:rPr lang="vi-VN" smtClean="0"/>
-              <a:t>14/03/2020</a:t>
+              <a:t>26/11/2022</a:t>
             </a:fld>
             <a:endParaRPr lang="vi-VN"/>
           </a:p>
@@ -1885,7 +1895,7 @@
           <a:p>
             <a:fld id="{D45E875E-E62D-4977-9C36-DA63769E2105}" type="datetimeFigureOut">
               <a:rPr lang="vi-VN" smtClean="0"/>
-              <a:t>14/03/2020</a:t>
+              <a:t>26/11/2022</a:t>
             </a:fld>
             <a:endParaRPr lang="vi-VN"/>
           </a:p>
@@ -1980,7 +1990,7 @@
           <a:p>
             <a:fld id="{D45E875E-E62D-4977-9C36-DA63769E2105}" type="datetimeFigureOut">
               <a:rPr lang="vi-VN" smtClean="0"/>
-              <a:t>14/03/2020</a:t>
+              <a:t>26/11/2022</a:t>
             </a:fld>
             <a:endParaRPr lang="vi-VN"/>
           </a:p>
@@ -2257,7 +2267,7 @@
           <a:p>
             <a:fld id="{D45E875E-E62D-4977-9C36-DA63769E2105}" type="datetimeFigureOut">
               <a:rPr lang="vi-VN" smtClean="0"/>
-              <a:t>14/03/2020</a:t>
+              <a:t>26/11/2022</a:t>
             </a:fld>
             <a:endParaRPr lang="vi-VN"/>
           </a:p>
@@ -2514,7 +2524,7 @@
           <a:p>
             <a:fld id="{D45E875E-E62D-4977-9C36-DA63769E2105}" type="datetimeFigureOut">
               <a:rPr lang="vi-VN" smtClean="0"/>
-              <a:t>14/03/2020</a:t>
+              <a:t>26/11/2022</a:t>
             </a:fld>
             <a:endParaRPr lang="vi-VN"/>
           </a:p>
@@ -2732,7 +2742,7 @@
           <a:p>
             <a:fld id="{D45E875E-E62D-4977-9C36-DA63769E2105}" type="datetimeFigureOut">
               <a:rPr lang="vi-VN" smtClean="0"/>
-              <a:t>14/03/2020</a:t>
+              <a:t>26/11/2022</a:t>
             </a:fld>
             <a:endParaRPr lang="vi-VN"/>
           </a:p>
@@ -3109,7 +3119,7 @@
       </p:grpSpPr>
       <p:sp>
         <p:nvSpPr>
-          <p:cNvPr id="2" name="Title 1"/>
+          <p:cNvPr id="4" name="標題 3"/>
           <p:cNvSpPr>
             <a:spLocks noGrp="1"/>
           </p:cNvSpPr>
@@ -3117,265 +3127,93 @@
             <p:ph type="title"/>
           </p:nvPr>
         </p:nvSpPr>
-        <p:spPr/>
+        <p:spPr>
+          <a:xfrm>
+            <a:off x="0" y="2660915"/>
+            <a:ext cx="12192000" cy="1143000"/>
+          </a:xfrm>
+        </p:spPr>
         <p:txBody>
           <a:bodyPr>
-            <a:normAutofit/>
+            <a:noAutofit/>
           </a:bodyPr>
           <a:lstStyle/>
           <a:p>
             <a:r>
-              <a:rPr lang="zh-TW" altLang="en-US" sz="4800" b="1" dirty="0">
-                <a:latin typeface="Microsoft JhengHei" panose="020B0604030504040204" pitchFamily="34" charset="-120"/>
-                <a:ea typeface="Microsoft JhengHei" panose="020B0604030504040204" pitchFamily="34" charset="-120"/>
+              <a:rPr lang="zh-TW" altLang="en-US" sz="7200" b="1" i="1" dirty="0">
+                <a:solidFill>
+                  <a:srgbClr val="660033"/>
+                </a:solidFill>
+                <a:effectLst>
+                  <a:outerShdw blurRad="38100" dist="38100" dir="2700000" algn="tl">
+                    <a:srgbClr val="000000">
+                      <a:alpha val="43137"/>
+                    </a:srgbClr>
+                  </a:outerShdw>
+                </a:effectLst>
+                <a:latin typeface="微軟正黑體" pitchFamily="34" charset="-120"/>
+                <a:ea typeface="微軟正黑體" pitchFamily="34" charset="-120"/>
               </a:rPr>
               <a:t>進</a:t>
             </a:r>
             <a:r>
-              <a:rPr lang="zh-TW" altLang="en-US" sz="4800" b="1" dirty="0" smtClean="0">
-                <a:latin typeface="Microsoft JhengHei" panose="020B0604030504040204" pitchFamily="34" charset="-120"/>
-                <a:ea typeface="Microsoft JhengHei" panose="020B0604030504040204" pitchFamily="34" charset="-120"/>
+              <a:rPr lang="zh-TW" altLang="en-US" sz="7200" b="1" i="1" dirty="0">
+                <a:solidFill>
+                  <a:srgbClr val="660033"/>
+                </a:solidFill>
+                <a:effectLst>
+                  <a:outerShdw blurRad="38100" dist="38100" dir="2700000" algn="tl">
+                    <a:srgbClr val="000000">
+                      <a:alpha val="43137"/>
+                    </a:srgbClr>
+                  </a:outerShdw>
+                </a:effectLst>
+                <a:latin typeface="微軟正黑體" pitchFamily="34" charset="-120"/>
+                <a:ea typeface="微軟正黑體" pitchFamily="34" charset="-120"/>
               </a:rPr>
               <a:t>入</a:t>
             </a:r>
             <a:r>
-              <a:rPr lang="zh-CN" altLang="en-US" sz="4800" b="1" dirty="0" smtClean="0">
-                <a:latin typeface="Microsoft JhengHei" panose="020B0604030504040204" pitchFamily="34" charset="-120"/>
-                <a:ea typeface="Microsoft JhengHei" panose="020B0604030504040204" pitchFamily="34" charset="-120"/>
+              <a:rPr lang="zh-CN" altLang="en-US" sz="7200" b="1" i="1" dirty="0">
+                <a:solidFill>
+                  <a:srgbClr val="660033"/>
+                </a:solidFill>
+                <a:effectLst>
+                  <a:outerShdw blurRad="38100" dist="38100" dir="2700000" algn="tl">
+                    <a:srgbClr val="000000">
+                      <a:alpha val="43137"/>
+                    </a:srgbClr>
+                  </a:outerShdw>
+                </a:effectLst>
+                <a:latin typeface="微軟正黑體" pitchFamily="34" charset="-120"/>
+                <a:ea typeface="微軟正黑體" pitchFamily="34" charset="-120"/>
               </a:rPr>
               <a:t>袮</a:t>
             </a:r>
             <a:r>
-              <a:rPr lang="zh-TW" altLang="en-US" sz="4800" b="1" dirty="0" smtClean="0">
-                <a:latin typeface="Microsoft JhengHei" panose="020B0604030504040204" pitchFamily="34" charset="-120"/>
-                <a:ea typeface="Microsoft JhengHei" panose="020B0604030504040204" pitchFamily="34" charset="-120"/>
-              </a:rPr>
-              <a:t>的</a:t>
-            </a:r>
-            <a:r>
-              <a:rPr lang="zh-TW" altLang="en-US" sz="4800" b="1" dirty="0">
-                <a:latin typeface="Microsoft JhengHei" panose="020B0604030504040204" pitchFamily="34" charset="-120"/>
-                <a:ea typeface="Microsoft JhengHei" panose="020B0604030504040204" pitchFamily="34" charset="-120"/>
-              </a:rPr>
-              <a:t>同在</a:t>
-            </a:r>
-            <a:endParaRPr lang="vi-VN" sz="4800" b="1" dirty="0">
-              <a:ea typeface="Microsoft JhengHei" panose="020B0604030504040204" pitchFamily="34" charset="-120"/>
-            </a:endParaRPr>
-          </a:p>
-        </p:txBody>
-      </p:sp>
-      <p:sp>
-        <p:nvSpPr>
-          <p:cNvPr id="3" name="Content Placeholder 2"/>
-          <p:cNvSpPr>
-            <a:spLocks noGrp="1"/>
-          </p:cNvSpPr>
-          <p:nvPr>
-            <p:ph idx="1"/>
-          </p:nvPr>
-        </p:nvSpPr>
-        <p:spPr/>
-        <p:txBody>
-          <a:bodyPr>
-            <a:normAutofit/>
-          </a:bodyPr>
-          <a:lstStyle/>
-          <a:p>
-            <a:pPr marL="0" indent="0" algn="ctr">
-              <a:buNone/>
-            </a:pPr>
-            <a:r>
-              <a:rPr lang="zh-TW" altLang="en-US" sz="5400" b="1" dirty="0">
-                <a:latin typeface="Microsoft JhengHei" panose="020B0604030504040204" pitchFamily="34" charset="-120"/>
-                <a:ea typeface="Microsoft JhengHei" panose="020B0604030504040204" pitchFamily="34" charset="-120"/>
-              </a:rPr>
-              <a:t>讓我進入</a:t>
-            </a:r>
-            <a:r>
-              <a:rPr lang="zh-TW" altLang="en-US" sz="5400" b="1" dirty="0" smtClean="0">
-                <a:latin typeface="Microsoft JhengHei" panose="020B0604030504040204" pitchFamily="34" charset="-120"/>
-                <a:ea typeface="Microsoft JhengHei" panose="020B0604030504040204" pitchFamily="34" charset="-120"/>
-              </a:rPr>
-              <a:t>主</a:t>
-            </a:r>
-            <a:r>
-              <a:rPr lang="zh-CN" altLang="en-US" sz="5400" b="1" dirty="0" smtClean="0">
-                <a:latin typeface="Microsoft JhengHei" panose="020B0604030504040204" pitchFamily="34" charset="-120"/>
-                <a:ea typeface="Microsoft JhengHei" panose="020B0604030504040204" pitchFamily="34" charset="-120"/>
-              </a:rPr>
-              <a:t>袮</a:t>
-            </a:r>
-            <a:r>
-              <a:rPr lang="zh-TW" altLang="en-US" sz="5400" b="1" dirty="0" smtClean="0">
-                <a:latin typeface="Microsoft JhengHei" panose="020B0604030504040204" pitchFamily="34" charset="-120"/>
-                <a:ea typeface="Microsoft JhengHei" panose="020B0604030504040204" pitchFamily="34" charset="-120"/>
-              </a:rPr>
-              <a:t>的</a:t>
-            </a:r>
-            <a:r>
-              <a:rPr lang="zh-TW" altLang="en-US" sz="5400" b="1" dirty="0">
-                <a:latin typeface="Microsoft JhengHei" panose="020B0604030504040204" pitchFamily="34" charset="-120"/>
-                <a:ea typeface="Microsoft JhengHei" panose="020B0604030504040204" pitchFamily="34" charset="-120"/>
-              </a:rPr>
-              <a:t>同</a:t>
-            </a:r>
-            <a:r>
-              <a:rPr lang="zh-TW" altLang="en-US" sz="5400" b="1" dirty="0" smtClean="0">
-                <a:latin typeface="Microsoft JhengHei" panose="020B0604030504040204" pitchFamily="34" charset="-120"/>
-                <a:ea typeface="Microsoft JhengHei" panose="020B0604030504040204" pitchFamily="34" charset="-120"/>
-              </a:rPr>
-              <a:t>在</a:t>
-            </a:r>
-            <a:endParaRPr lang="en-US" altLang="zh-TW" sz="5400" b="1" dirty="0" smtClean="0">
-              <a:latin typeface="Microsoft JhengHei" panose="020B0604030504040204" pitchFamily="34" charset="-120"/>
-              <a:ea typeface="Microsoft JhengHei" panose="020B0604030504040204" pitchFamily="34" charset="-120"/>
-            </a:endParaRPr>
-          </a:p>
-          <a:p>
-            <a:pPr marL="0" indent="0" algn="ctr">
-              <a:buNone/>
-            </a:pPr>
-            <a:r>
-              <a:rPr lang="zh-TW" altLang="en-US" sz="5400" b="1" dirty="0" smtClean="0">
-                <a:latin typeface="Microsoft JhengHei" panose="020B0604030504040204" pitchFamily="34" charset="-120"/>
-                <a:ea typeface="Microsoft JhengHei" panose="020B0604030504040204" pitchFamily="34" charset="-120"/>
-              </a:rPr>
-              <a:t>我</a:t>
-            </a:r>
-            <a:r>
-              <a:rPr lang="zh-TW" altLang="en-US" sz="5400" b="1" dirty="0">
-                <a:latin typeface="Microsoft JhengHei" panose="020B0604030504040204" pitchFamily="34" charset="-120"/>
-                <a:ea typeface="Microsoft JhengHei" panose="020B0604030504040204" pitchFamily="34" charset="-120"/>
-              </a:rPr>
-              <a:t>與眾天使圍繞寶座敬</a:t>
-            </a:r>
-            <a:r>
-              <a:rPr lang="zh-TW" altLang="en-US" sz="5400" b="1" dirty="0" smtClean="0">
-                <a:latin typeface="Microsoft JhengHei" panose="020B0604030504040204" pitchFamily="34" charset="-120"/>
-                <a:ea typeface="Microsoft JhengHei" panose="020B0604030504040204" pitchFamily="34" charset="-120"/>
-              </a:rPr>
-              <a:t>拜</a:t>
-            </a:r>
-            <a:endParaRPr lang="en-US" altLang="zh-TW" sz="5400" b="1" dirty="0">
-              <a:latin typeface="Microsoft JhengHei" panose="020B0604030504040204" pitchFamily="34" charset="-120"/>
-              <a:ea typeface="Microsoft JhengHei" panose="020B0604030504040204" pitchFamily="34" charset="-120"/>
-            </a:endParaRPr>
-          </a:p>
-          <a:p>
-            <a:pPr marL="0" indent="0" algn="ctr">
-              <a:buNone/>
-            </a:pPr>
-            <a:r>
-              <a:rPr lang="zh-TW" altLang="en-US" sz="5400" b="1" dirty="0" smtClean="0">
-                <a:latin typeface="Microsoft JhengHei" panose="020B0604030504040204" pitchFamily="34" charset="-120"/>
-                <a:ea typeface="Microsoft JhengHei" panose="020B0604030504040204" pitchFamily="34" charset="-120"/>
-              </a:rPr>
-              <a:t>喔</a:t>
-            </a:r>
-            <a:r>
-              <a:rPr lang="zh-TW" altLang="en-US" sz="5400" b="1" dirty="0">
-                <a:latin typeface="Microsoft JhengHei" panose="020B0604030504040204" pitchFamily="34" charset="-120"/>
-                <a:ea typeface="Microsoft JhengHei" panose="020B0604030504040204" pitchFamily="34" charset="-120"/>
-              </a:rPr>
-              <a:t>讓我進入</a:t>
-            </a:r>
-            <a:r>
-              <a:rPr lang="zh-TW" altLang="en-US" sz="5400" b="1" dirty="0" smtClean="0">
-                <a:latin typeface="Microsoft JhengHei" panose="020B0604030504040204" pitchFamily="34" charset="-120"/>
-                <a:ea typeface="Microsoft JhengHei" panose="020B0604030504040204" pitchFamily="34" charset="-120"/>
-              </a:rPr>
-              <a:t>主</a:t>
-            </a:r>
-            <a:r>
-              <a:rPr lang="zh-CN" altLang="en-US" sz="5400" b="1" dirty="0">
-                <a:latin typeface="Microsoft JhengHei" panose="020B0604030504040204" pitchFamily="34" charset="-120"/>
-                <a:ea typeface="Microsoft JhengHei" panose="020B0604030504040204" pitchFamily="34" charset="-120"/>
-              </a:rPr>
-              <a:t>袮</a:t>
-            </a:r>
-            <a:r>
-              <a:rPr lang="zh-TW" altLang="en-US" sz="5400" b="1" dirty="0" smtClean="0">
-                <a:latin typeface="Microsoft JhengHei" panose="020B0604030504040204" pitchFamily="34" charset="-120"/>
-                <a:ea typeface="Microsoft JhengHei" panose="020B0604030504040204" pitchFamily="34" charset="-120"/>
-              </a:rPr>
-              <a:t>的</a:t>
-            </a:r>
-            <a:r>
-              <a:rPr lang="zh-TW" altLang="en-US" sz="5400" b="1" dirty="0">
-                <a:latin typeface="Microsoft JhengHei" panose="020B0604030504040204" pitchFamily="34" charset="-120"/>
-                <a:ea typeface="Microsoft JhengHei" panose="020B0604030504040204" pitchFamily="34" charset="-120"/>
-              </a:rPr>
-              <a:t>同</a:t>
-            </a:r>
-            <a:r>
-              <a:rPr lang="zh-TW" altLang="en-US" sz="5400" b="1" dirty="0" smtClean="0">
-                <a:latin typeface="Microsoft JhengHei" panose="020B0604030504040204" pitchFamily="34" charset="-120"/>
-                <a:ea typeface="Microsoft JhengHei" panose="020B0604030504040204" pitchFamily="34" charset="-120"/>
-              </a:rPr>
-              <a:t>在</a:t>
-            </a:r>
-            <a:endParaRPr lang="en-US" altLang="zh-TW" sz="5400" b="1" dirty="0" smtClean="0">
-              <a:latin typeface="Microsoft JhengHei" panose="020B0604030504040204" pitchFamily="34" charset="-120"/>
-              <a:ea typeface="Microsoft JhengHei" panose="020B0604030504040204" pitchFamily="34" charset="-120"/>
-            </a:endParaRPr>
-          </a:p>
-          <a:p>
-            <a:pPr marL="0" indent="0" algn="ctr">
-              <a:buNone/>
-            </a:pPr>
-            <a:r>
-              <a:rPr lang="zh-TW" altLang="en-US" sz="5400" b="1" dirty="0" smtClean="0">
-                <a:latin typeface="Microsoft JhengHei" panose="020B0604030504040204" pitchFamily="34" charset="-120"/>
-                <a:ea typeface="Microsoft JhengHei" panose="020B0604030504040204" pitchFamily="34" charset="-120"/>
-              </a:rPr>
-              <a:t>我</a:t>
-            </a:r>
-            <a:r>
-              <a:rPr lang="zh-TW" altLang="en-US" sz="5400" b="1" dirty="0">
-                <a:latin typeface="Microsoft JhengHei" panose="020B0604030504040204" pitchFamily="34" charset="-120"/>
-                <a:ea typeface="Microsoft JhengHei" panose="020B0604030504040204" pitchFamily="34" charset="-120"/>
-              </a:rPr>
-              <a:t>要單單敬</a:t>
-            </a:r>
-            <a:r>
-              <a:rPr lang="zh-TW" altLang="en-US" sz="5400" b="1" dirty="0" smtClean="0">
-                <a:latin typeface="Microsoft JhengHei" panose="020B0604030504040204" pitchFamily="34" charset="-120"/>
-                <a:ea typeface="Microsoft JhengHei" panose="020B0604030504040204" pitchFamily="34" charset="-120"/>
-              </a:rPr>
-              <a:t>拜</a:t>
-            </a:r>
-            <a:r>
-              <a:rPr lang="zh-CN" altLang="en-US" sz="5400" b="1" dirty="0">
-                <a:latin typeface="Microsoft JhengHei" panose="020B0604030504040204" pitchFamily="34" charset="-120"/>
-                <a:ea typeface="Microsoft JhengHei" panose="020B0604030504040204" pitchFamily="34" charset="-120"/>
-              </a:rPr>
-              <a:t>袮</a:t>
-            </a:r>
-            <a:r>
-              <a:rPr lang="zh-TW" altLang="en-US" sz="5400" b="1" dirty="0" smtClean="0">
-                <a:latin typeface="Microsoft JhengHei" panose="020B0604030504040204" pitchFamily="34" charset="-120"/>
-                <a:ea typeface="Microsoft JhengHei" panose="020B0604030504040204" pitchFamily="34" charset="-120"/>
-              </a:rPr>
-              <a:t>耶</a:t>
-            </a:r>
-            <a:r>
-              <a:rPr lang="zh-TW" altLang="en-US" sz="5400" b="1" dirty="0">
-                <a:latin typeface="Microsoft JhengHei" panose="020B0604030504040204" pitchFamily="34" charset="-120"/>
-                <a:ea typeface="Microsoft JhengHei" panose="020B0604030504040204" pitchFamily="34" charset="-120"/>
-              </a:rPr>
-              <a:t>穌</a:t>
-            </a:r>
-            <a:endParaRPr lang="vi-VN" sz="5400" b="1" dirty="0">
-              <a:ea typeface="Microsoft JhengHei" panose="020B0604030504040204" pitchFamily="34" charset="-120"/>
-            </a:endParaRPr>
+              <a:rPr lang="zh-TW" altLang="en-US" sz="7200" b="1" i="1" dirty="0">
+                <a:solidFill>
+                  <a:srgbClr val="660033"/>
+                </a:solidFill>
+                <a:effectLst>
+                  <a:outerShdw blurRad="38100" dist="38100" dir="2700000" algn="tl">
+                    <a:srgbClr val="000000">
+                      <a:alpha val="43137"/>
+                    </a:srgbClr>
+                  </a:outerShdw>
+                </a:effectLst>
+                <a:latin typeface="微軟正黑體" pitchFamily="34" charset="-120"/>
+                <a:ea typeface="微軟正黑體" pitchFamily="34" charset="-120"/>
+              </a:rPr>
+              <a:t>的同在</a:t>
+            </a:r>
           </a:p>
         </p:txBody>
       </p:sp>
     </p:spTree>
     <p:extLst>
       <p:ext uri="{BB962C8B-B14F-4D97-AF65-F5344CB8AC3E}">
-        <p14:creationId xmlns:p14="http://schemas.microsoft.com/office/powerpoint/2010/main" val="2087183056"/>
+        <p14:creationId xmlns:p14="http://schemas.microsoft.com/office/powerpoint/2010/main" val="568165185"/>
       </p:ext>
     </p:extLst>
   </p:cSld>
@@ -3404,279 +3242,168 @@
       </p:grpSpPr>
       <p:sp>
         <p:nvSpPr>
-          <p:cNvPr id="2" name="Title 1"/>
-          <p:cNvSpPr>
-            <a:spLocks noGrp="1"/>
-          </p:cNvSpPr>
-          <p:nvPr>
-            <p:ph type="title"/>
-          </p:nvPr>
-        </p:nvSpPr>
-        <p:spPr/>
-        <p:txBody>
-          <a:bodyPr>
+          <p:cNvPr id="5" name="內容版面配置區 4"/>
+          <p:cNvSpPr>
+            <a:spLocks noGrp="1"/>
+          </p:cNvSpPr>
+          <p:nvPr>
+            <p:ph idx="1"/>
+          </p:nvPr>
+        </p:nvSpPr>
+        <p:spPr>
+          <a:xfrm>
+            <a:off x="0" y="2084851"/>
+            <a:ext cx="12192000" cy="2404863"/>
+          </a:xfrm>
+        </p:spPr>
+        <p:txBody>
+          <a:bodyPr anchor="ctr">
             <a:normAutofit/>
           </a:bodyPr>
           <a:lstStyle/>
           <a:p>
-            <a:r>
-              <a:rPr lang="zh-TW" altLang="en-US" sz="4800" b="1" dirty="0">
+            <a:pPr marL="0" indent="0" algn="ctr">
+              <a:buNone/>
+            </a:pPr>
+            <a:r>
+              <a:rPr lang="zh-TW" altLang="en-US" sz="6400" b="1" dirty="0">
+                <a:solidFill>
+                  <a:srgbClr val="660033"/>
+                </a:solidFill>
+                <a:latin typeface="微軟正黑體" pitchFamily="34" charset="-120"/>
+                <a:ea typeface="微軟正黑體" pitchFamily="34" charset="-120"/>
+              </a:rPr>
+              <a:t>讓</a:t>
+            </a:r>
+            <a:r>
+              <a:rPr lang="zh-TW" altLang="en-US" sz="6400" b="1" dirty="0">
+                <a:solidFill>
+                  <a:srgbClr val="660033"/>
+                </a:solidFill>
+                <a:latin typeface="微軟正黑體" pitchFamily="34" charset="-120"/>
+                <a:ea typeface="微軟正黑體" pitchFamily="34" charset="-120"/>
+              </a:rPr>
+              <a:t>我進入主</a:t>
+            </a:r>
+            <a:r>
+              <a:rPr lang="zh-CN" altLang="en-US" sz="6400" b="1" dirty="0">
+                <a:solidFill>
+                  <a:srgbClr val="660033"/>
+                </a:solidFill>
+                <a:latin typeface="微軟正黑體" pitchFamily="34" charset="-120"/>
+                <a:ea typeface="微軟正黑體" pitchFamily="34" charset="-120"/>
+              </a:rPr>
+              <a:t>袮</a:t>
+            </a:r>
+            <a:r>
+              <a:rPr lang="zh-TW" altLang="en-US" sz="6400" b="1" dirty="0">
+                <a:solidFill>
+                  <a:srgbClr val="660033"/>
+                </a:solidFill>
+                <a:latin typeface="微軟正黑體" pitchFamily="34" charset="-120"/>
+                <a:ea typeface="微軟正黑體" pitchFamily="34" charset="-120"/>
+              </a:rPr>
+              <a:t>的同在</a:t>
+            </a:r>
+            <a:endParaRPr lang="en-US" altLang="zh-TW" sz="6400" b="1" dirty="0">
+              <a:solidFill>
+                <a:srgbClr val="660033"/>
+              </a:solidFill>
+              <a:latin typeface="微軟正黑體" pitchFamily="34" charset="-120"/>
+              <a:ea typeface="微軟正黑體" pitchFamily="34" charset="-120"/>
+            </a:endParaRPr>
+          </a:p>
+          <a:p>
+            <a:pPr marL="0" indent="0" algn="ctr">
+              <a:buNone/>
+            </a:pPr>
+            <a:r>
+              <a:rPr lang="zh-TW" altLang="en-US" sz="6400" b="1" dirty="0">
+                <a:solidFill>
+                  <a:srgbClr val="660033"/>
+                </a:solidFill>
+                <a:latin typeface="微軟正黑體" pitchFamily="34" charset="-120"/>
+                <a:ea typeface="微軟正黑體" pitchFamily="34" charset="-120"/>
+              </a:rPr>
+              <a:t>我與眾天使圍繞寶座敬拜</a:t>
+            </a:r>
+            <a:endParaRPr lang="en-US" altLang="zh-TW" sz="6400" b="1" dirty="0">
+              <a:solidFill>
+                <a:srgbClr val="660033"/>
+              </a:solidFill>
+              <a:latin typeface="微軟正黑體" pitchFamily="34" charset="-120"/>
+              <a:ea typeface="微軟正黑體" pitchFamily="34" charset="-120"/>
+            </a:endParaRPr>
+          </a:p>
+        </p:txBody>
+      </p:sp>
+      <p:sp>
+        <p:nvSpPr>
+          <p:cNvPr id="3" name="TextBox 2"/>
+          <p:cNvSpPr txBox="1"/>
+          <p:nvPr/>
+        </p:nvSpPr>
+        <p:spPr>
+          <a:xfrm>
+            <a:off x="0" y="5157192"/>
+            <a:ext cx="12192000" cy="748988"/>
+          </a:xfrm>
+          <a:prstGeom prst="rect">
+            <a:avLst/>
+          </a:prstGeom>
+          <a:noFill/>
+        </p:spPr>
+        <p:txBody>
+          <a:bodyPr wrap="square" rtlCol="0">
+            <a:spAutoFit/>
+          </a:bodyPr>
+          <a:lstStyle/>
+          <a:p>
+            <a:pPr algn="ctr"/>
+            <a:r>
+              <a:rPr lang="en-US" sz="4267" b="1" dirty="0">
+                <a:solidFill>
+                  <a:srgbClr val="660033"/>
+                </a:solidFill>
                 <a:latin typeface="Microsoft JhengHei" panose="020B0604030504040204" pitchFamily="34" charset="-120"/>
                 <a:ea typeface="Microsoft JhengHei" panose="020B0604030504040204" pitchFamily="34" charset="-120"/>
               </a:rPr>
-              <a:t>進</a:t>
-            </a:r>
-            <a:r>
-              <a:rPr lang="zh-TW" altLang="en-US" sz="4800" b="1" dirty="0" smtClean="0">
+              <a:t>( </a:t>
+            </a:r>
+            <a:r>
+              <a:rPr lang="zh-CN" altLang="en-US" sz="4267" b="1" dirty="0">
+                <a:solidFill>
+                  <a:srgbClr val="660033"/>
+                </a:solidFill>
                 <a:latin typeface="Microsoft JhengHei" panose="020B0604030504040204" pitchFamily="34" charset="-120"/>
                 <a:ea typeface="Microsoft JhengHei" panose="020B0604030504040204" pitchFamily="34" charset="-120"/>
               </a:rPr>
-              <a:t>入</a:t>
-            </a:r>
-            <a:r>
-              <a:rPr lang="zh-CN" altLang="en-US" sz="4800" b="1" dirty="0" smtClean="0">
+              <a:t>正 </a:t>
+            </a:r>
+            <a:r>
+              <a:rPr lang="en-US" altLang="zh-CN" sz="4267" b="1" dirty="0">
+                <a:solidFill>
+                  <a:srgbClr val="660033"/>
+                </a:solidFill>
                 <a:latin typeface="Microsoft JhengHei" panose="020B0604030504040204" pitchFamily="34" charset="-120"/>
                 <a:ea typeface="Microsoft JhengHei" panose="020B0604030504040204" pitchFamily="34" charset="-120"/>
               </a:rPr>
-              <a:t>袮</a:t>
-            </a:r>
-            <a:r>
-              <a:rPr lang="zh-TW" altLang="en-US" sz="4800" b="1" dirty="0" smtClean="0">
+              <a:t>1</a:t>
+            </a:r>
+            <a:r>
+              <a:rPr lang="en-US" sz="4267" b="1" dirty="0">
+                <a:solidFill>
+                  <a:srgbClr val="660033"/>
+                </a:solidFill>
                 <a:latin typeface="Microsoft JhengHei" panose="020B0604030504040204" pitchFamily="34" charset="-120"/>
                 <a:ea typeface="Microsoft JhengHei" panose="020B0604030504040204" pitchFamily="34" charset="-120"/>
               </a:rPr>
-              <a:t>的</a:t>
-            </a:r>
-            <a:r>
-              <a:rPr lang="zh-TW" altLang="en-US" sz="4800" b="1" dirty="0">
-                <a:latin typeface="Microsoft JhengHei" panose="020B0604030504040204" pitchFamily="34" charset="-120"/>
-                <a:ea typeface="Microsoft JhengHei" panose="020B0604030504040204" pitchFamily="34" charset="-120"/>
-              </a:rPr>
-              <a:t>同在</a:t>
-            </a:r>
-            <a:endParaRPr lang="vi-VN" sz="4800" b="1" dirty="0">
-              <a:ea typeface="Microsoft JhengHei" panose="020B0604030504040204" pitchFamily="34" charset="-120"/>
-            </a:endParaRPr>
-          </a:p>
-        </p:txBody>
-      </p:sp>
-      <p:sp>
-        <p:nvSpPr>
-          <p:cNvPr id="3" name="Content Placeholder 2"/>
-          <p:cNvSpPr>
-            <a:spLocks noGrp="1"/>
-          </p:cNvSpPr>
-          <p:nvPr>
-            <p:ph idx="1"/>
-          </p:nvPr>
-        </p:nvSpPr>
-        <p:spPr/>
-        <p:txBody>
-          <a:bodyPr>
-            <a:normAutofit/>
-          </a:bodyPr>
-          <a:lstStyle/>
-          <a:p>
-            <a:pPr marL="0" indent="0" algn="ctr">
-              <a:buNone/>
-            </a:pPr>
-            <a:r>
-              <a:rPr lang="zh-TW" altLang="en-US" sz="5400" b="1" dirty="0">
-                <a:latin typeface="Microsoft JhengHei" panose="020B0604030504040204" pitchFamily="34" charset="-120"/>
-                <a:ea typeface="Microsoft JhengHei" panose="020B0604030504040204" pitchFamily="34" charset="-120"/>
-              </a:rPr>
-              <a:t>我要敬</a:t>
-            </a:r>
-            <a:r>
-              <a:rPr lang="zh-TW" altLang="en-US" sz="5400" b="1" dirty="0">
-                <a:latin typeface="Microsoft JhengHei" panose="020B0604030504040204" pitchFamily="34" charset="-120"/>
-                <a:ea typeface="Microsoft JhengHei" panose="020B0604030504040204" pitchFamily="34" charset="-120"/>
-              </a:rPr>
-              <a:t>拜  敬拜  敬</a:t>
-            </a:r>
-            <a:r>
-              <a:rPr lang="zh-TW" altLang="en-US" sz="5400" b="1" dirty="0">
-                <a:latin typeface="Microsoft JhengHei" panose="020B0604030504040204" pitchFamily="34" charset="-120"/>
-                <a:ea typeface="Microsoft JhengHei" panose="020B0604030504040204" pitchFamily="34" charset="-120"/>
-              </a:rPr>
-              <a:t>拜我的</a:t>
-            </a:r>
-            <a:r>
-              <a:rPr lang="zh-TW" altLang="en-US" sz="5400" b="1" dirty="0">
-                <a:latin typeface="Microsoft JhengHei" panose="020B0604030504040204" pitchFamily="34" charset="-120"/>
-                <a:ea typeface="Microsoft JhengHei" panose="020B0604030504040204" pitchFamily="34" charset="-120"/>
-              </a:rPr>
-              <a:t>主</a:t>
-            </a:r>
-            <a:endParaRPr lang="en-US" altLang="zh-TW" sz="5400" b="1" dirty="0">
-              <a:latin typeface="Microsoft JhengHei" panose="020B0604030504040204" pitchFamily="34" charset="-120"/>
-              <a:ea typeface="Microsoft JhengHei" panose="020B0604030504040204" pitchFamily="34" charset="-120"/>
-            </a:endParaRPr>
-          </a:p>
-          <a:p>
-            <a:pPr marL="0" indent="0" algn="ctr">
-              <a:buNone/>
-            </a:pPr>
-            <a:r>
-              <a:rPr lang="zh-TW" altLang="en-US" sz="5400" b="1" dirty="0">
-                <a:latin typeface="Microsoft JhengHei" panose="020B0604030504040204" pitchFamily="34" charset="-120"/>
-                <a:ea typeface="Microsoft JhengHei" panose="020B0604030504040204" pitchFamily="34" charset="-120"/>
-              </a:rPr>
-              <a:t>我</a:t>
-            </a:r>
-            <a:r>
-              <a:rPr lang="zh-TW" altLang="en-US" sz="5400" b="1" dirty="0">
-                <a:latin typeface="Microsoft JhengHei" panose="020B0604030504040204" pitchFamily="34" charset="-120"/>
-                <a:ea typeface="Microsoft JhengHei" panose="020B0604030504040204" pitchFamily="34" charset="-120"/>
-              </a:rPr>
-              <a:t>要敬</a:t>
-            </a:r>
-            <a:r>
-              <a:rPr lang="zh-TW" altLang="en-US" sz="5400" b="1" dirty="0">
-                <a:latin typeface="Microsoft JhengHei" panose="020B0604030504040204" pitchFamily="34" charset="-120"/>
-                <a:ea typeface="Microsoft JhengHei" panose="020B0604030504040204" pitchFamily="34" charset="-120"/>
-              </a:rPr>
-              <a:t>拜  敬拜  敬</a:t>
-            </a:r>
-            <a:r>
-              <a:rPr lang="zh-TW" altLang="en-US" sz="5400" b="1" dirty="0">
-                <a:latin typeface="Microsoft JhengHei" panose="020B0604030504040204" pitchFamily="34" charset="-120"/>
-                <a:ea typeface="Microsoft JhengHei" panose="020B0604030504040204" pitchFamily="34" charset="-120"/>
-              </a:rPr>
-              <a:t>拜我的</a:t>
-            </a:r>
-            <a:r>
-              <a:rPr lang="zh-TW" altLang="en-US" sz="5400" b="1" dirty="0">
-                <a:latin typeface="Microsoft JhengHei" panose="020B0604030504040204" pitchFamily="34" charset="-120"/>
-                <a:ea typeface="Microsoft JhengHei" panose="020B0604030504040204" pitchFamily="34" charset="-120"/>
-              </a:rPr>
-              <a:t>主</a:t>
-            </a:r>
-            <a:endParaRPr lang="en-US" altLang="zh-TW" sz="5400" b="1" dirty="0">
-              <a:latin typeface="Microsoft JhengHei" panose="020B0604030504040204" pitchFamily="34" charset="-120"/>
-              <a:ea typeface="Microsoft JhengHei" panose="020B0604030504040204" pitchFamily="34" charset="-120"/>
-            </a:endParaRPr>
-          </a:p>
-          <a:p>
-            <a:pPr marL="0" indent="0" algn="ctr">
-              <a:buNone/>
-            </a:pPr>
-            <a:r>
-              <a:rPr lang="zh-TW" altLang="en-US" sz="5400" b="1" dirty="0">
-                <a:latin typeface="Microsoft JhengHei" panose="020B0604030504040204" pitchFamily="34" charset="-120"/>
-                <a:ea typeface="Microsoft JhengHei" panose="020B0604030504040204" pitchFamily="34" charset="-120"/>
-              </a:rPr>
-              <a:t>我</a:t>
-            </a:r>
-            <a:r>
-              <a:rPr lang="zh-TW" altLang="en-US" sz="5400" b="1" dirty="0">
-                <a:latin typeface="Microsoft JhengHei" panose="020B0604030504040204" pitchFamily="34" charset="-120"/>
-                <a:ea typeface="Microsoft JhengHei" panose="020B0604030504040204" pitchFamily="34" charset="-120"/>
-              </a:rPr>
-              <a:t>要跪</a:t>
-            </a:r>
-            <a:r>
-              <a:rPr lang="zh-TW" altLang="en-US" sz="5400" b="1" dirty="0">
-                <a:latin typeface="Microsoft JhengHei" panose="020B0604030504040204" pitchFamily="34" charset="-120"/>
-                <a:ea typeface="Microsoft JhengHei" panose="020B0604030504040204" pitchFamily="34" charset="-120"/>
-              </a:rPr>
-              <a:t>下  跪下  </a:t>
-            </a:r>
-            <a:r>
-              <a:rPr lang="zh-TW" altLang="en-US" sz="5400" b="1" dirty="0" smtClean="0">
-                <a:latin typeface="Microsoft JhengHei" panose="020B0604030504040204" pitchFamily="34" charset="-120"/>
-                <a:ea typeface="Microsoft JhengHei" panose="020B0604030504040204" pitchFamily="34" charset="-120"/>
-              </a:rPr>
-              <a:t>在</a:t>
-            </a:r>
-            <a:r>
-              <a:rPr lang="zh-CN" altLang="en-US" sz="5400" b="1" dirty="0">
-                <a:latin typeface="Microsoft JhengHei" panose="020B0604030504040204" pitchFamily="34" charset="-120"/>
-                <a:ea typeface="Microsoft JhengHei" panose="020B0604030504040204" pitchFamily="34" charset="-120"/>
-              </a:rPr>
-              <a:t>袮</a:t>
-            </a:r>
-            <a:r>
-              <a:rPr lang="zh-TW" altLang="en-US" sz="5400" b="1" dirty="0" smtClean="0">
-                <a:latin typeface="Microsoft JhengHei" panose="020B0604030504040204" pitchFamily="34" charset="-120"/>
-                <a:ea typeface="Microsoft JhengHei" panose="020B0604030504040204" pitchFamily="34" charset="-120"/>
-              </a:rPr>
-              <a:t>寶</a:t>
-            </a:r>
-            <a:r>
-              <a:rPr lang="zh-TW" altLang="en-US" sz="5400" b="1" dirty="0">
-                <a:latin typeface="Microsoft JhengHei" panose="020B0604030504040204" pitchFamily="34" charset="-120"/>
-                <a:ea typeface="Microsoft JhengHei" panose="020B0604030504040204" pitchFamily="34" charset="-120"/>
-              </a:rPr>
-              <a:t>座</a:t>
-            </a:r>
-            <a:r>
-              <a:rPr lang="zh-TW" altLang="en-US" sz="5400" b="1" dirty="0">
-                <a:latin typeface="Microsoft JhengHei" panose="020B0604030504040204" pitchFamily="34" charset="-120"/>
-                <a:ea typeface="Microsoft JhengHei" panose="020B0604030504040204" pitchFamily="34" charset="-120"/>
-              </a:rPr>
-              <a:t>前</a:t>
-            </a:r>
-            <a:endParaRPr lang="en-US" altLang="zh-TW" sz="5400" b="1" dirty="0">
-              <a:latin typeface="Microsoft JhengHei" panose="020B0604030504040204" pitchFamily="34" charset="-120"/>
-              <a:ea typeface="Microsoft JhengHei" panose="020B0604030504040204" pitchFamily="34" charset="-120"/>
-            </a:endParaRPr>
-          </a:p>
-          <a:p>
-            <a:pPr marL="0" indent="0" algn="ctr">
-              <a:buNone/>
-            </a:pPr>
-            <a:r>
-              <a:rPr lang="zh-TW" altLang="en-US" sz="5400" b="1" dirty="0">
-                <a:latin typeface="Microsoft JhengHei" panose="020B0604030504040204" pitchFamily="34" charset="-120"/>
-                <a:ea typeface="Microsoft JhengHei" panose="020B0604030504040204" pitchFamily="34" charset="-120"/>
-              </a:rPr>
-              <a:t>我</a:t>
-            </a:r>
-            <a:r>
-              <a:rPr lang="zh-TW" altLang="en-US" sz="5400" b="1" dirty="0">
-                <a:latin typeface="Microsoft JhengHei" panose="020B0604030504040204" pitchFamily="34" charset="-120"/>
-                <a:ea typeface="Microsoft JhengHei" panose="020B0604030504040204" pitchFamily="34" charset="-120"/>
-              </a:rPr>
-              <a:t>要跪</a:t>
-            </a:r>
-            <a:r>
-              <a:rPr lang="zh-TW" altLang="en-US" sz="5400" b="1" dirty="0">
-                <a:latin typeface="Microsoft JhengHei" panose="020B0604030504040204" pitchFamily="34" charset="-120"/>
-                <a:ea typeface="Microsoft JhengHei" panose="020B0604030504040204" pitchFamily="34" charset="-120"/>
-              </a:rPr>
-              <a:t>下  跪下  </a:t>
-            </a:r>
-            <a:r>
-              <a:rPr lang="zh-TW" altLang="en-US" sz="5400" b="1" dirty="0" smtClean="0">
-                <a:latin typeface="Microsoft JhengHei" panose="020B0604030504040204" pitchFamily="34" charset="-120"/>
-                <a:ea typeface="Microsoft JhengHei" panose="020B0604030504040204" pitchFamily="34" charset="-120"/>
-              </a:rPr>
-              <a:t>在</a:t>
-            </a:r>
-            <a:r>
-              <a:rPr lang="zh-CN" altLang="en-US" sz="5400" b="1" dirty="0">
-                <a:latin typeface="Microsoft JhengHei" panose="020B0604030504040204" pitchFamily="34" charset="-120"/>
-                <a:ea typeface="Microsoft JhengHei" panose="020B0604030504040204" pitchFamily="34" charset="-120"/>
-              </a:rPr>
-              <a:t>袮</a:t>
-            </a:r>
-            <a:r>
-              <a:rPr lang="zh-TW" altLang="en-US" sz="5400" b="1" dirty="0" smtClean="0">
-                <a:latin typeface="Microsoft JhengHei" panose="020B0604030504040204" pitchFamily="34" charset="-120"/>
-                <a:ea typeface="Microsoft JhengHei" panose="020B0604030504040204" pitchFamily="34" charset="-120"/>
-              </a:rPr>
-              <a:t>寶</a:t>
-            </a:r>
-            <a:r>
-              <a:rPr lang="zh-TW" altLang="en-US" sz="5400" b="1" dirty="0">
-                <a:latin typeface="Microsoft JhengHei" panose="020B0604030504040204" pitchFamily="34" charset="-120"/>
-                <a:ea typeface="Microsoft JhengHei" panose="020B0604030504040204" pitchFamily="34" charset="-120"/>
-              </a:rPr>
-              <a:t>座前</a:t>
-            </a:r>
-            <a:endParaRPr lang="vi-VN" sz="5400" b="1" dirty="0">
-              <a:latin typeface="Microsoft JhengHei" panose="020B0604030504040204" pitchFamily="34" charset="-120"/>
+              <a:t> )</a:t>
+            </a:r>
+            <a:endParaRPr lang="vi-VN" sz="4267" b="1" dirty="0">
+              <a:solidFill>
+                <a:srgbClr val="660033"/>
+              </a:solidFill>
               <a:ea typeface="Microsoft JhengHei" panose="020B0604030504040204" pitchFamily="34" charset="-120"/>
             </a:endParaRPr>
           </a:p>
@@ -3685,7 +3412,7 @@
     </p:spTree>
     <p:extLst>
       <p:ext uri="{BB962C8B-B14F-4D97-AF65-F5344CB8AC3E}">
-        <p14:creationId xmlns:p14="http://schemas.microsoft.com/office/powerpoint/2010/main" val="569994452"/>
+        <p14:creationId xmlns:p14="http://schemas.microsoft.com/office/powerpoint/2010/main" val="1931277472"/>
       </p:ext>
     </p:extLst>
   </p:cSld>
@@ -3714,307 +3441,188 @@
       </p:grpSpPr>
       <p:sp>
         <p:nvSpPr>
-          <p:cNvPr id="2" name="Title 1"/>
-          <p:cNvSpPr>
-            <a:spLocks noGrp="1"/>
-          </p:cNvSpPr>
-          <p:nvPr>
-            <p:ph type="title"/>
-          </p:nvPr>
-        </p:nvSpPr>
-        <p:spPr/>
-        <p:txBody>
-          <a:bodyPr>
+          <p:cNvPr id="5" name="內容版面配置區 4"/>
+          <p:cNvSpPr>
+            <a:spLocks noGrp="1"/>
+          </p:cNvSpPr>
+          <p:nvPr>
+            <p:ph idx="1"/>
+          </p:nvPr>
+        </p:nvSpPr>
+        <p:spPr>
+          <a:xfrm>
+            <a:off x="0" y="2084851"/>
+            <a:ext cx="12192000" cy="2404863"/>
+          </a:xfrm>
+        </p:spPr>
+        <p:txBody>
+          <a:bodyPr anchor="ctr">
             <a:normAutofit/>
           </a:bodyPr>
           <a:lstStyle/>
           <a:p>
-            <a:r>
-              <a:rPr lang="zh-TW" altLang="en-US" sz="4800" b="1" dirty="0">
+            <a:pPr marL="0" indent="0" algn="ctr">
+              <a:buNone/>
+            </a:pPr>
+            <a:r>
+              <a:rPr lang="zh-TW" altLang="en-US" sz="6400" b="1" dirty="0">
+                <a:solidFill>
+                  <a:srgbClr val="660033"/>
+                </a:solidFill>
+                <a:latin typeface="微軟正黑體" pitchFamily="34" charset="-120"/>
+                <a:ea typeface="微軟正黑體" pitchFamily="34" charset="-120"/>
+              </a:rPr>
+              <a:t>喔  讓</a:t>
+            </a:r>
+            <a:r>
+              <a:rPr lang="zh-TW" altLang="en-US" sz="6400" b="1" dirty="0">
+                <a:solidFill>
+                  <a:srgbClr val="660033"/>
+                </a:solidFill>
+                <a:latin typeface="微軟正黑體" pitchFamily="34" charset="-120"/>
+                <a:ea typeface="微軟正黑體" pitchFamily="34" charset="-120"/>
+              </a:rPr>
+              <a:t>我進入主</a:t>
+            </a:r>
+            <a:r>
+              <a:rPr lang="zh-CN" altLang="en-US" sz="6400" b="1" dirty="0">
+                <a:solidFill>
+                  <a:srgbClr val="660033"/>
+                </a:solidFill>
+                <a:latin typeface="微軟正黑體" pitchFamily="34" charset="-120"/>
+                <a:ea typeface="微軟正黑體" pitchFamily="34" charset="-120"/>
+              </a:rPr>
+              <a:t>袮</a:t>
+            </a:r>
+            <a:r>
+              <a:rPr lang="zh-TW" altLang="en-US" sz="6400" b="1" dirty="0">
+                <a:solidFill>
+                  <a:srgbClr val="660033"/>
+                </a:solidFill>
+                <a:latin typeface="微軟正黑體" pitchFamily="34" charset="-120"/>
+                <a:ea typeface="微軟正黑體" pitchFamily="34" charset="-120"/>
+              </a:rPr>
+              <a:t>的同在</a:t>
+            </a:r>
+            <a:endParaRPr lang="en-US" altLang="zh-TW" sz="6400" b="1" dirty="0">
+              <a:solidFill>
+                <a:srgbClr val="660033"/>
+              </a:solidFill>
+              <a:latin typeface="微軟正黑體" pitchFamily="34" charset="-120"/>
+              <a:ea typeface="微軟正黑體" pitchFamily="34" charset="-120"/>
+            </a:endParaRPr>
+          </a:p>
+          <a:p>
+            <a:pPr marL="0" indent="0" algn="ctr">
+              <a:buNone/>
+            </a:pPr>
+            <a:r>
+              <a:rPr lang="zh-TW" altLang="en-US" sz="6400" b="1" dirty="0">
+                <a:solidFill>
+                  <a:srgbClr val="660033"/>
+                </a:solidFill>
+                <a:latin typeface="微軟正黑體" pitchFamily="34" charset="-120"/>
+                <a:ea typeface="微軟正黑體" pitchFamily="34" charset="-120"/>
+              </a:rPr>
+              <a:t>我要單單敬拜</a:t>
+            </a:r>
+            <a:r>
+              <a:rPr lang="zh-CN" altLang="en-US" sz="6400" b="1" dirty="0">
+                <a:solidFill>
+                  <a:srgbClr val="660033"/>
+                </a:solidFill>
+                <a:latin typeface="微軟正黑體" pitchFamily="34" charset="-120"/>
+                <a:ea typeface="微軟正黑體" pitchFamily="34" charset="-120"/>
+              </a:rPr>
+              <a:t>袮</a:t>
+            </a:r>
+            <a:r>
+              <a:rPr lang="zh-TW" altLang="en-US" sz="6400" b="1" dirty="0">
+                <a:solidFill>
+                  <a:srgbClr val="660033"/>
+                </a:solidFill>
+                <a:latin typeface="微軟正黑體" pitchFamily="34" charset="-120"/>
+                <a:ea typeface="微軟正黑體" pitchFamily="34" charset="-120"/>
+              </a:rPr>
+              <a:t>耶穌</a:t>
+            </a:r>
+            <a:endParaRPr lang="vi-VN" sz="6400" b="1" dirty="0">
+              <a:solidFill>
+                <a:srgbClr val="660033"/>
+              </a:solidFill>
+              <a:latin typeface="微軟正黑體" pitchFamily="34" charset="-120"/>
+              <a:ea typeface="微軟正黑體" pitchFamily="34" charset="-120"/>
+            </a:endParaRPr>
+          </a:p>
+        </p:txBody>
+      </p:sp>
+      <p:sp>
+        <p:nvSpPr>
+          <p:cNvPr id="3" name="TextBox 2"/>
+          <p:cNvSpPr txBox="1"/>
+          <p:nvPr/>
+        </p:nvSpPr>
+        <p:spPr>
+          <a:xfrm>
+            <a:off x="0" y="5157192"/>
+            <a:ext cx="12192000" cy="748988"/>
+          </a:xfrm>
+          <a:prstGeom prst="rect">
+            <a:avLst/>
+          </a:prstGeom>
+          <a:noFill/>
+        </p:spPr>
+        <p:txBody>
+          <a:bodyPr wrap="square" rtlCol="0">
+            <a:spAutoFit/>
+          </a:bodyPr>
+          <a:lstStyle/>
+          <a:p>
+            <a:pPr algn="ctr"/>
+            <a:r>
+              <a:rPr lang="en-US" sz="4267" b="1" dirty="0">
+                <a:solidFill>
+                  <a:srgbClr val="660033"/>
+                </a:solidFill>
                 <a:latin typeface="Microsoft JhengHei" panose="020B0604030504040204" pitchFamily="34" charset="-120"/>
                 <a:ea typeface="Microsoft JhengHei" panose="020B0604030504040204" pitchFamily="34" charset="-120"/>
               </a:rPr>
-              <a:t>進</a:t>
-            </a:r>
-            <a:r>
-              <a:rPr lang="zh-TW" altLang="en-US" sz="4800" b="1" dirty="0" smtClean="0">
+              <a:t>( </a:t>
+            </a:r>
+            <a:r>
+              <a:rPr lang="zh-CN" altLang="en-US" sz="4267" b="1" dirty="0">
+                <a:solidFill>
+                  <a:srgbClr val="660033"/>
+                </a:solidFill>
                 <a:latin typeface="Microsoft JhengHei" panose="020B0604030504040204" pitchFamily="34" charset="-120"/>
                 <a:ea typeface="Microsoft JhengHei" panose="020B0604030504040204" pitchFamily="34" charset="-120"/>
               </a:rPr>
-              <a:t>入</a:t>
-            </a:r>
-            <a:r>
-              <a:rPr lang="zh-CN" altLang="en-US" sz="4800" b="1" dirty="0" smtClean="0">
+              <a:t>正 </a:t>
+            </a:r>
+            <a:r>
+              <a:rPr lang="en-US" altLang="zh-CN" sz="4267" b="1" dirty="0">
+                <a:solidFill>
+                  <a:srgbClr val="660033"/>
+                </a:solidFill>
                 <a:latin typeface="Microsoft JhengHei" panose="020B0604030504040204" pitchFamily="34" charset="-120"/>
                 <a:ea typeface="Microsoft JhengHei" panose="020B0604030504040204" pitchFamily="34" charset="-120"/>
               </a:rPr>
-              <a:t>袮</a:t>
-            </a:r>
-            <a:r>
-              <a:rPr lang="zh-TW" altLang="en-US" sz="4800" b="1" dirty="0" smtClean="0">
+              <a:t>1</a:t>
+            </a:r>
+            <a:r>
+              <a:rPr lang="en-US" sz="4267" b="1" dirty="0">
+                <a:solidFill>
+                  <a:srgbClr val="660033"/>
+                </a:solidFill>
                 <a:latin typeface="Microsoft JhengHei" panose="020B0604030504040204" pitchFamily="34" charset="-120"/>
                 <a:ea typeface="Microsoft JhengHei" panose="020B0604030504040204" pitchFamily="34" charset="-120"/>
               </a:rPr>
-              <a:t>的</a:t>
-            </a:r>
-            <a:r>
-              <a:rPr lang="zh-TW" altLang="en-US" sz="4800" b="1" dirty="0">
-                <a:latin typeface="Microsoft JhengHei" panose="020B0604030504040204" pitchFamily="34" charset="-120"/>
-                <a:ea typeface="Microsoft JhengHei" panose="020B0604030504040204" pitchFamily="34" charset="-120"/>
-              </a:rPr>
-              <a:t>同在</a:t>
-            </a:r>
-            <a:endParaRPr lang="vi-VN" sz="4800" b="1" dirty="0">
-              <a:ea typeface="Microsoft JhengHei" panose="020B0604030504040204" pitchFamily="34" charset="-120"/>
-            </a:endParaRPr>
-          </a:p>
-        </p:txBody>
-      </p:sp>
-      <p:sp>
-        <p:nvSpPr>
-          <p:cNvPr id="3" name="Content Placeholder 2"/>
-          <p:cNvSpPr>
-            <a:spLocks noGrp="1"/>
-          </p:cNvSpPr>
-          <p:nvPr>
-            <p:ph idx="1"/>
-          </p:nvPr>
-        </p:nvSpPr>
-        <p:spPr/>
-        <p:txBody>
-          <a:bodyPr>
-            <a:normAutofit/>
-          </a:bodyPr>
-          <a:lstStyle/>
-          <a:p>
-            <a:pPr marL="0" indent="0" algn="ctr">
-              <a:buNone/>
-            </a:pPr>
-            <a:r>
-              <a:rPr lang="zh-TW" altLang="en-US" sz="5400" b="1" dirty="0">
-                <a:latin typeface="Microsoft JhengHei" panose="020B0604030504040204" pitchFamily="34" charset="-120"/>
-                <a:ea typeface="Microsoft JhengHei" panose="020B0604030504040204" pitchFamily="34" charset="-120"/>
-              </a:rPr>
-              <a:t>讓我進入</a:t>
-            </a:r>
-            <a:r>
-              <a:rPr lang="zh-TW" altLang="en-US" sz="5400" b="1" dirty="0" smtClean="0">
-                <a:latin typeface="Microsoft JhengHei" panose="020B0604030504040204" pitchFamily="34" charset="-120"/>
-                <a:ea typeface="Microsoft JhengHei" panose="020B0604030504040204" pitchFamily="34" charset="-120"/>
-              </a:rPr>
-              <a:t>主</a:t>
-            </a:r>
-            <a:r>
-              <a:rPr lang="zh-CN" altLang="en-US" sz="5400" b="1" dirty="0" smtClean="0">
-                <a:latin typeface="Microsoft JhengHei" panose="020B0604030504040204" pitchFamily="34" charset="-120"/>
-                <a:ea typeface="Microsoft JhengHei" panose="020B0604030504040204" pitchFamily="34" charset="-120"/>
-              </a:rPr>
-              <a:t>袮</a:t>
-            </a:r>
-            <a:r>
-              <a:rPr lang="zh-TW" altLang="en-US" sz="5400" b="1" dirty="0" smtClean="0">
-                <a:latin typeface="Microsoft JhengHei" panose="020B0604030504040204" pitchFamily="34" charset="-120"/>
-                <a:ea typeface="Microsoft JhengHei" panose="020B0604030504040204" pitchFamily="34" charset="-120"/>
-              </a:rPr>
-              <a:t>的</a:t>
-            </a:r>
-            <a:r>
-              <a:rPr lang="zh-TW" altLang="en-US" sz="5400" b="1" dirty="0">
-                <a:latin typeface="Microsoft JhengHei" panose="020B0604030504040204" pitchFamily="34" charset="-120"/>
-                <a:ea typeface="Microsoft JhengHei" panose="020B0604030504040204" pitchFamily="34" charset="-120"/>
-              </a:rPr>
-              <a:t>榮</a:t>
-            </a:r>
-            <a:r>
-              <a:rPr lang="zh-TW" altLang="en-US" sz="5400" b="1" dirty="0">
-                <a:latin typeface="Microsoft JhengHei" panose="020B0604030504040204" pitchFamily="34" charset="-120"/>
-                <a:ea typeface="Microsoft JhengHei" panose="020B0604030504040204" pitchFamily="34" charset="-120"/>
-              </a:rPr>
-              <a:t>耀</a:t>
-            </a:r>
-            <a:endParaRPr lang="en-US" altLang="zh-TW" sz="5400" b="1" dirty="0">
-              <a:latin typeface="Microsoft JhengHei" panose="020B0604030504040204" pitchFamily="34" charset="-120"/>
-              <a:ea typeface="Microsoft JhengHei" panose="020B0604030504040204" pitchFamily="34" charset="-120"/>
-            </a:endParaRPr>
-          </a:p>
-          <a:p>
-            <a:pPr marL="0" indent="0" algn="ctr">
-              <a:buNone/>
-            </a:pPr>
-            <a:r>
-              <a:rPr lang="zh-TW" altLang="en-US" sz="5400" b="1" dirty="0">
-                <a:latin typeface="Microsoft JhengHei" panose="020B0604030504040204" pitchFamily="34" charset="-120"/>
-                <a:ea typeface="Microsoft JhengHei" panose="020B0604030504040204" pitchFamily="34" charset="-120"/>
-              </a:rPr>
-              <a:t>我</a:t>
-            </a:r>
-            <a:r>
-              <a:rPr lang="zh-TW" altLang="en-US" sz="5400" b="1" dirty="0" smtClean="0">
-                <a:latin typeface="Microsoft JhengHei" panose="020B0604030504040204" pitchFamily="34" charset="-120"/>
-                <a:ea typeface="Microsoft JhengHei" panose="020B0604030504040204" pitchFamily="34" charset="-120"/>
-              </a:rPr>
-              <a:t>在</a:t>
-            </a:r>
-            <a:r>
-              <a:rPr lang="zh-CN" altLang="en-US" sz="5400" b="1" dirty="0">
-                <a:latin typeface="Microsoft JhengHei" panose="020B0604030504040204" pitchFamily="34" charset="-120"/>
-                <a:ea typeface="Microsoft JhengHei" panose="020B0604030504040204" pitchFamily="34" charset="-120"/>
-              </a:rPr>
-              <a:t>袮</a:t>
-            </a:r>
-            <a:r>
-              <a:rPr lang="zh-TW" altLang="en-US" sz="5400" b="1" dirty="0" smtClean="0">
-                <a:latin typeface="Microsoft JhengHei" panose="020B0604030504040204" pitchFamily="34" charset="-120"/>
-                <a:ea typeface="Microsoft JhengHei" panose="020B0604030504040204" pitchFamily="34" charset="-120"/>
-              </a:rPr>
-              <a:t>聖</a:t>
-            </a:r>
-            <a:r>
-              <a:rPr lang="zh-TW" altLang="en-US" sz="5400" b="1" dirty="0">
-                <a:latin typeface="Microsoft JhengHei" panose="020B0604030504040204" pitchFamily="34" charset="-120"/>
-                <a:ea typeface="Microsoft JhengHei" panose="020B0604030504040204" pitchFamily="34" charset="-120"/>
-              </a:rPr>
-              <a:t>潔光中</a:t>
-            </a:r>
-            <a:r>
-              <a:rPr lang="zh-TW" altLang="en-US" sz="5400" b="1" dirty="0" smtClean="0">
-                <a:latin typeface="Microsoft JhengHei" panose="020B0604030504040204" pitchFamily="34" charset="-120"/>
-                <a:ea typeface="Microsoft JhengHei" panose="020B0604030504040204" pitchFamily="34" charset="-120"/>
-              </a:rPr>
-              <a:t>被</a:t>
-            </a:r>
-            <a:r>
-              <a:rPr lang="zh-CN" altLang="en-US" sz="5400" b="1" dirty="0">
-                <a:latin typeface="Microsoft JhengHei" panose="020B0604030504040204" pitchFamily="34" charset="-120"/>
-                <a:ea typeface="Microsoft JhengHei" panose="020B0604030504040204" pitchFamily="34" charset="-120"/>
-              </a:rPr>
-              <a:t>袮</a:t>
-            </a:r>
-            <a:r>
-              <a:rPr lang="zh-TW" altLang="en-US" sz="5400" b="1" dirty="0" smtClean="0">
-                <a:latin typeface="Microsoft JhengHei" panose="020B0604030504040204" pitchFamily="34" charset="-120"/>
-                <a:ea typeface="Microsoft JhengHei" panose="020B0604030504040204" pitchFamily="34" charset="-120"/>
-              </a:rPr>
-              <a:t>得</a:t>
-            </a:r>
-            <a:r>
-              <a:rPr lang="zh-TW" altLang="en-US" sz="5400" b="1" dirty="0">
-                <a:latin typeface="Microsoft JhengHei" panose="020B0604030504040204" pitchFamily="34" charset="-120"/>
-                <a:ea typeface="Microsoft JhengHei" panose="020B0604030504040204" pitchFamily="34" charset="-120"/>
-              </a:rPr>
-              <a:t>著</a:t>
-            </a:r>
-            <a:endParaRPr lang="en-US" altLang="zh-TW" sz="5400" b="1" dirty="0">
-              <a:latin typeface="Microsoft JhengHei" panose="020B0604030504040204" pitchFamily="34" charset="-120"/>
-              <a:ea typeface="Microsoft JhengHei" panose="020B0604030504040204" pitchFamily="34" charset="-120"/>
-            </a:endParaRPr>
-          </a:p>
-          <a:p>
-            <a:pPr marL="0" indent="0" algn="ctr">
-              <a:buNone/>
-            </a:pPr>
-            <a:r>
-              <a:rPr lang="zh-TW" altLang="en-US" sz="5400" b="1" dirty="0">
-                <a:latin typeface="Microsoft JhengHei" panose="020B0604030504040204" pitchFamily="34" charset="-120"/>
-                <a:ea typeface="Microsoft JhengHei" panose="020B0604030504040204" pitchFamily="34" charset="-120"/>
-              </a:rPr>
-              <a:t>喔</a:t>
-            </a:r>
-            <a:r>
-              <a:rPr lang="zh-TW" altLang="en-US" sz="5400" b="1" dirty="0">
-                <a:latin typeface="Microsoft JhengHei" panose="020B0604030504040204" pitchFamily="34" charset="-120"/>
-                <a:ea typeface="Microsoft JhengHei" panose="020B0604030504040204" pitchFamily="34" charset="-120"/>
-              </a:rPr>
-              <a:t>讓我進入</a:t>
-            </a:r>
-            <a:r>
-              <a:rPr lang="zh-TW" altLang="en-US" sz="5400" b="1" dirty="0" smtClean="0">
-                <a:latin typeface="Microsoft JhengHei" panose="020B0604030504040204" pitchFamily="34" charset="-120"/>
-                <a:ea typeface="Microsoft JhengHei" panose="020B0604030504040204" pitchFamily="34" charset="-120"/>
-              </a:rPr>
-              <a:t>主</a:t>
-            </a:r>
-            <a:r>
-              <a:rPr lang="zh-CN" altLang="en-US" sz="5400" b="1" dirty="0">
-                <a:latin typeface="Microsoft JhengHei" panose="020B0604030504040204" pitchFamily="34" charset="-120"/>
-                <a:ea typeface="Microsoft JhengHei" panose="020B0604030504040204" pitchFamily="34" charset="-120"/>
-              </a:rPr>
-              <a:t>袮</a:t>
-            </a:r>
-            <a:r>
-              <a:rPr lang="zh-TW" altLang="en-US" sz="5400" b="1" dirty="0" smtClean="0">
-                <a:latin typeface="Microsoft JhengHei" panose="020B0604030504040204" pitchFamily="34" charset="-120"/>
-                <a:ea typeface="Microsoft JhengHei" panose="020B0604030504040204" pitchFamily="34" charset="-120"/>
-              </a:rPr>
-              <a:t>的</a:t>
-            </a:r>
-            <a:r>
-              <a:rPr lang="zh-TW" altLang="en-US" sz="5400" b="1" dirty="0">
-                <a:latin typeface="Microsoft JhengHei" panose="020B0604030504040204" pitchFamily="34" charset="-120"/>
-                <a:ea typeface="Microsoft JhengHei" panose="020B0604030504040204" pitchFamily="34" charset="-120"/>
-              </a:rPr>
-              <a:t>榮</a:t>
-            </a:r>
-            <a:r>
-              <a:rPr lang="zh-TW" altLang="en-US" sz="5400" b="1" dirty="0">
-                <a:latin typeface="Microsoft JhengHei" panose="020B0604030504040204" pitchFamily="34" charset="-120"/>
-                <a:ea typeface="Microsoft JhengHei" panose="020B0604030504040204" pitchFamily="34" charset="-120"/>
-              </a:rPr>
-              <a:t>耀</a:t>
-            </a:r>
-            <a:endParaRPr lang="en-US" altLang="zh-TW" sz="5400" b="1" dirty="0">
-              <a:latin typeface="Microsoft JhengHei" panose="020B0604030504040204" pitchFamily="34" charset="-120"/>
-              <a:ea typeface="Microsoft JhengHei" panose="020B0604030504040204" pitchFamily="34" charset="-120"/>
-            </a:endParaRPr>
-          </a:p>
-          <a:p>
-            <a:pPr marL="0" indent="0" algn="ctr">
-              <a:buNone/>
-            </a:pPr>
-            <a:r>
-              <a:rPr lang="zh-TW" altLang="en-US" sz="5400" b="1" dirty="0">
-                <a:latin typeface="Microsoft JhengHei" panose="020B0604030504040204" pitchFamily="34" charset="-120"/>
-                <a:ea typeface="Microsoft JhengHei" panose="020B0604030504040204" pitchFamily="34" charset="-120"/>
-              </a:rPr>
-              <a:t>我</a:t>
-            </a:r>
-            <a:r>
-              <a:rPr lang="zh-TW" altLang="en-US" sz="5400" b="1" dirty="0">
-                <a:latin typeface="Microsoft JhengHei" panose="020B0604030504040204" pitchFamily="34" charset="-120"/>
-                <a:ea typeface="Microsoft JhengHei" panose="020B0604030504040204" pitchFamily="34" charset="-120"/>
-              </a:rPr>
-              <a:t>要單單為</a:t>
-            </a:r>
-            <a:r>
-              <a:rPr lang="zh-TW" altLang="en-US" sz="5400" b="1" dirty="0" smtClean="0">
-                <a:latin typeface="Microsoft JhengHei" panose="020B0604030504040204" pitchFamily="34" charset="-120"/>
-                <a:ea typeface="Microsoft JhengHei" panose="020B0604030504040204" pitchFamily="34" charset="-120"/>
-              </a:rPr>
-              <a:t>主</a:t>
-            </a:r>
-            <a:r>
-              <a:rPr lang="zh-CN" altLang="en-US" sz="5400" b="1" dirty="0">
-                <a:latin typeface="Microsoft JhengHei" panose="020B0604030504040204" pitchFamily="34" charset="-120"/>
-                <a:ea typeface="Microsoft JhengHei" panose="020B0604030504040204" pitchFamily="34" charset="-120"/>
-              </a:rPr>
-              <a:t>袮</a:t>
-            </a:r>
-            <a:r>
-              <a:rPr lang="zh-TW" altLang="en-US" sz="5400" b="1" dirty="0" smtClean="0">
-                <a:latin typeface="Microsoft JhengHei" panose="020B0604030504040204" pitchFamily="34" charset="-120"/>
-                <a:ea typeface="Microsoft JhengHei" panose="020B0604030504040204" pitchFamily="34" charset="-120"/>
-              </a:rPr>
-              <a:t>而</a:t>
-            </a:r>
-            <a:r>
-              <a:rPr lang="zh-TW" altLang="en-US" sz="5400" b="1" dirty="0">
-                <a:latin typeface="Microsoft JhengHei" panose="020B0604030504040204" pitchFamily="34" charset="-120"/>
-                <a:ea typeface="Microsoft JhengHei" panose="020B0604030504040204" pitchFamily="34" charset="-120"/>
-              </a:rPr>
-              <a:t>活</a:t>
-            </a:r>
-            <a:endParaRPr lang="vi-VN" sz="5400" b="1" dirty="0">
-              <a:latin typeface="Microsoft JhengHei" panose="020B0604030504040204" pitchFamily="34" charset="-120"/>
+              <a:t> )</a:t>
+            </a:r>
+            <a:endParaRPr lang="vi-VN" sz="4267" b="1" dirty="0">
+              <a:solidFill>
+                <a:srgbClr val="660033"/>
+              </a:solidFill>
               <a:ea typeface="Microsoft JhengHei" panose="020B0604030504040204" pitchFamily="34" charset="-120"/>
             </a:endParaRPr>
           </a:p>
@@ -4023,7 +3631,7 @@
     </p:spTree>
     <p:extLst>
       <p:ext uri="{BB962C8B-B14F-4D97-AF65-F5344CB8AC3E}">
-        <p14:creationId xmlns:p14="http://schemas.microsoft.com/office/powerpoint/2010/main" val="1041747156"/>
+        <p14:creationId xmlns:p14="http://schemas.microsoft.com/office/powerpoint/2010/main" val="2262201100"/>
       </p:ext>
     </p:extLst>
   </p:cSld>
@@ -4052,237 +3660,138 @@
       </p:grpSpPr>
       <p:sp>
         <p:nvSpPr>
-          <p:cNvPr id="2" name="Title 1"/>
-          <p:cNvSpPr>
-            <a:spLocks noGrp="1"/>
-          </p:cNvSpPr>
-          <p:nvPr>
-            <p:ph type="title"/>
-          </p:nvPr>
-        </p:nvSpPr>
-        <p:spPr/>
-        <p:txBody>
-          <a:bodyPr>
+          <p:cNvPr id="5" name="內容版面配置區 4"/>
+          <p:cNvSpPr>
+            <a:spLocks noGrp="1"/>
+          </p:cNvSpPr>
+          <p:nvPr>
+            <p:ph idx="1"/>
+          </p:nvPr>
+        </p:nvSpPr>
+        <p:spPr>
+          <a:xfrm>
+            <a:off x="0" y="2084851"/>
+            <a:ext cx="12192000" cy="2404863"/>
+          </a:xfrm>
+        </p:spPr>
+        <p:txBody>
+          <a:bodyPr anchor="ctr">
             <a:normAutofit/>
           </a:bodyPr>
           <a:lstStyle/>
           <a:p>
-            <a:r>
-              <a:rPr lang="zh-TW" altLang="en-US" sz="4800" b="1" dirty="0">
+            <a:pPr marL="0" indent="0" algn="ctr">
+              <a:buNone/>
+            </a:pPr>
+            <a:r>
+              <a:rPr lang="zh-TW" altLang="en-US" sz="6400" b="1" dirty="0">
+                <a:solidFill>
+                  <a:srgbClr val="660033"/>
+                </a:solidFill>
+                <a:latin typeface="微軟正黑體" pitchFamily="34" charset="-120"/>
+                <a:ea typeface="微軟正黑體" pitchFamily="34" charset="-120"/>
+              </a:rPr>
+              <a:t>我要敬拜  敬拜  敬拜我的主</a:t>
+            </a:r>
+            <a:endParaRPr lang="en-US" altLang="zh-TW" sz="6400" b="1" dirty="0">
+              <a:solidFill>
+                <a:srgbClr val="660033"/>
+              </a:solidFill>
+              <a:latin typeface="微軟正黑體" pitchFamily="34" charset="-120"/>
+              <a:ea typeface="微軟正黑體" pitchFamily="34" charset="-120"/>
+            </a:endParaRPr>
+          </a:p>
+          <a:p>
+            <a:pPr marL="0" indent="0" algn="ctr">
+              <a:buNone/>
+            </a:pPr>
+            <a:r>
+              <a:rPr lang="zh-TW" altLang="en-US" sz="6400" b="1" dirty="0">
+                <a:solidFill>
+                  <a:srgbClr val="660033"/>
+                </a:solidFill>
+                <a:latin typeface="微軟正黑體" pitchFamily="34" charset="-120"/>
+                <a:ea typeface="微軟正黑體" pitchFamily="34" charset="-120"/>
+              </a:rPr>
+              <a:t>我要敬拜  敬拜  敬拜我的主</a:t>
+            </a:r>
+            <a:endParaRPr lang="en-US" altLang="zh-TW" sz="6400" b="1" dirty="0">
+              <a:solidFill>
+                <a:srgbClr val="660033"/>
+              </a:solidFill>
+              <a:latin typeface="微軟正黑體" pitchFamily="34" charset="-120"/>
+              <a:ea typeface="微軟正黑體" pitchFamily="34" charset="-120"/>
+            </a:endParaRPr>
+          </a:p>
+        </p:txBody>
+      </p:sp>
+      <p:sp>
+        <p:nvSpPr>
+          <p:cNvPr id="3" name="TextBox 2"/>
+          <p:cNvSpPr txBox="1"/>
+          <p:nvPr/>
+        </p:nvSpPr>
+        <p:spPr>
+          <a:xfrm>
+            <a:off x="0" y="5157192"/>
+            <a:ext cx="12192000" cy="748988"/>
+          </a:xfrm>
+          <a:prstGeom prst="rect">
+            <a:avLst/>
+          </a:prstGeom>
+          <a:noFill/>
+        </p:spPr>
+        <p:txBody>
+          <a:bodyPr wrap="square" rtlCol="0">
+            <a:spAutoFit/>
+          </a:bodyPr>
+          <a:lstStyle/>
+          <a:p>
+            <a:pPr algn="ctr"/>
+            <a:r>
+              <a:rPr lang="en-US" sz="4267" b="1" dirty="0">
+                <a:solidFill>
+                  <a:srgbClr val="660033"/>
+                </a:solidFill>
                 <a:latin typeface="Microsoft JhengHei" panose="020B0604030504040204" pitchFamily="34" charset="-120"/>
                 <a:ea typeface="Microsoft JhengHei" panose="020B0604030504040204" pitchFamily="34" charset="-120"/>
               </a:rPr>
-              <a:t>進</a:t>
-            </a:r>
-            <a:r>
-              <a:rPr lang="zh-TW" altLang="en-US" sz="4800" b="1" dirty="0" smtClean="0">
+              <a:t>( </a:t>
+            </a:r>
+            <a:r>
+              <a:rPr lang="zh-CN" altLang="en-US" sz="4267" b="1" dirty="0">
+                <a:solidFill>
+                  <a:srgbClr val="660033"/>
+                </a:solidFill>
                 <a:latin typeface="Microsoft JhengHei" panose="020B0604030504040204" pitchFamily="34" charset="-120"/>
                 <a:ea typeface="Microsoft JhengHei" panose="020B0604030504040204" pitchFamily="34" charset="-120"/>
               </a:rPr>
-              <a:t>入</a:t>
-            </a:r>
-            <a:r>
-              <a:rPr lang="zh-CN" altLang="en-US" sz="4800" b="1" dirty="0" smtClean="0">
+              <a:t>副 </a:t>
+            </a:r>
+            <a:r>
+              <a:rPr lang="en-US" altLang="zh-CN" sz="4267" b="1" dirty="0">
+                <a:solidFill>
+                  <a:srgbClr val="660033"/>
+                </a:solidFill>
                 <a:latin typeface="Microsoft JhengHei" panose="020B0604030504040204" pitchFamily="34" charset="-120"/>
                 <a:ea typeface="Microsoft JhengHei" panose="020B0604030504040204" pitchFamily="34" charset="-120"/>
               </a:rPr>
-              <a:t>袮</a:t>
-            </a:r>
-            <a:r>
-              <a:rPr lang="zh-TW" altLang="en-US" sz="4800" b="1" dirty="0" smtClean="0">
+              <a:t>1</a:t>
+            </a:r>
+            <a:r>
+              <a:rPr lang="en-US" sz="4267" b="1" dirty="0">
+                <a:solidFill>
+                  <a:srgbClr val="660033"/>
+                </a:solidFill>
                 <a:latin typeface="Microsoft JhengHei" panose="020B0604030504040204" pitchFamily="34" charset="-120"/>
                 <a:ea typeface="Microsoft JhengHei" panose="020B0604030504040204" pitchFamily="34" charset="-120"/>
               </a:rPr>
-              <a:t>的</a:t>
-            </a:r>
-            <a:r>
-              <a:rPr lang="zh-TW" altLang="en-US" sz="4800" b="1" dirty="0">
-                <a:latin typeface="Microsoft JhengHei" panose="020B0604030504040204" pitchFamily="34" charset="-120"/>
-                <a:ea typeface="Microsoft JhengHei" panose="020B0604030504040204" pitchFamily="34" charset="-120"/>
-              </a:rPr>
-              <a:t>同在</a:t>
-            </a:r>
-            <a:endParaRPr lang="vi-VN" sz="4800" b="1" dirty="0">
-              <a:ea typeface="Microsoft JhengHei" panose="020B0604030504040204" pitchFamily="34" charset="-120"/>
-            </a:endParaRPr>
-          </a:p>
-        </p:txBody>
-      </p:sp>
-      <p:sp>
-        <p:nvSpPr>
-          <p:cNvPr id="3" name="Content Placeholder 2"/>
-          <p:cNvSpPr>
-            <a:spLocks noGrp="1"/>
-          </p:cNvSpPr>
-          <p:nvPr>
-            <p:ph idx="1"/>
-          </p:nvPr>
-        </p:nvSpPr>
-        <p:spPr/>
-        <p:txBody>
-          <a:bodyPr>
-            <a:normAutofit/>
-          </a:bodyPr>
-          <a:lstStyle/>
-          <a:p>
-            <a:pPr marL="0" indent="0" algn="ctr">
-              <a:buNone/>
-            </a:pPr>
-            <a:r>
-              <a:rPr lang="zh-TW" altLang="en-US" sz="5400" b="1" dirty="0">
-                <a:latin typeface="Microsoft JhengHei" panose="020B0604030504040204" pitchFamily="34" charset="-120"/>
-                <a:ea typeface="Microsoft JhengHei" panose="020B0604030504040204" pitchFamily="34" charset="-120"/>
-              </a:rPr>
-              <a:t>頌讚榮</a:t>
-            </a:r>
-            <a:r>
-              <a:rPr lang="zh-TW" altLang="en-US" sz="5400" b="1" dirty="0">
-                <a:latin typeface="Microsoft JhengHei" panose="020B0604030504040204" pitchFamily="34" charset="-120"/>
-                <a:ea typeface="Microsoft JhengHei" panose="020B0604030504040204" pitchFamily="34" charset="-120"/>
-              </a:rPr>
-              <a:t>耀  榮耀  榮</a:t>
-            </a:r>
-            <a:r>
-              <a:rPr lang="zh-TW" altLang="en-US" sz="5400" b="1" dirty="0">
-                <a:latin typeface="Microsoft JhengHei" panose="020B0604030504040204" pitchFamily="34" charset="-120"/>
-                <a:ea typeface="Microsoft JhengHei" panose="020B0604030504040204" pitchFamily="34" charset="-120"/>
-              </a:rPr>
-              <a:t>耀歸羔</a:t>
-            </a:r>
-            <a:r>
-              <a:rPr lang="zh-TW" altLang="en-US" sz="5400" b="1" dirty="0">
-                <a:latin typeface="Microsoft JhengHei" panose="020B0604030504040204" pitchFamily="34" charset="-120"/>
-                <a:ea typeface="Microsoft JhengHei" panose="020B0604030504040204" pitchFamily="34" charset="-120"/>
-              </a:rPr>
-              <a:t>羊</a:t>
-            </a:r>
-            <a:endParaRPr lang="en-US" altLang="zh-TW" sz="5400" b="1" dirty="0">
-              <a:latin typeface="Microsoft JhengHei" panose="020B0604030504040204" pitchFamily="34" charset="-120"/>
-              <a:ea typeface="Microsoft JhengHei" panose="020B0604030504040204" pitchFamily="34" charset="-120"/>
-            </a:endParaRPr>
-          </a:p>
-          <a:p>
-            <a:pPr marL="0" indent="0" algn="ctr">
-              <a:buNone/>
-            </a:pPr>
-            <a:r>
-              <a:rPr lang="zh-TW" altLang="en-US" sz="5400" b="1" dirty="0">
-                <a:latin typeface="Microsoft JhengHei" panose="020B0604030504040204" pitchFamily="34" charset="-120"/>
-                <a:ea typeface="Microsoft JhengHei" panose="020B0604030504040204" pitchFamily="34" charset="-120"/>
-              </a:rPr>
-              <a:t>頌</a:t>
-            </a:r>
-            <a:r>
-              <a:rPr lang="zh-TW" altLang="en-US" sz="5400" b="1" dirty="0">
-                <a:latin typeface="Microsoft JhengHei" panose="020B0604030504040204" pitchFamily="34" charset="-120"/>
-                <a:ea typeface="Microsoft JhengHei" panose="020B0604030504040204" pitchFamily="34" charset="-120"/>
-              </a:rPr>
-              <a:t>讚榮</a:t>
-            </a:r>
-            <a:r>
-              <a:rPr lang="zh-TW" altLang="en-US" sz="5400" b="1" dirty="0">
-                <a:latin typeface="Microsoft JhengHei" panose="020B0604030504040204" pitchFamily="34" charset="-120"/>
-                <a:ea typeface="Microsoft JhengHei" panose="020B0604030504040204" pitchFamily="34" charset="-120"/>
-              </a:rPr>
-              <a:t>耀  榮耀  榮</a:t>
-            </a:r>
-            <a:r>
-              <a:rPr lang="zh-TW" altLang="en-US" sz="5400" b="1" dirty="0">
-                <a:latin typeface="Microsoft JhengHei" panose="020B0604030504040204" pitchFamily="34" charset="-120"/>
-                <a:ea typeface="Microsoft JhengHei" panose="020B0604030504040204" pitchFamily="34" charset="-120"/>
-              </a:rPr>
-              <a:t>耀歸羔</a:t>
-            </a:r>
-            <a:r>
-              <a:rPr lang="zh-TW" altLang="en-US" sz="5400" b="1" dirty="0">
-                <a:latin typeface="Microsoft JhengHei" panose="020B0604030504040204" pitchFamily="34" charset="-120"/>
-                <a:ea typeface="Microsoft JhengHei" panose="020B0604030504040204" pitchFamily="34" charset="-120"/>
-              </a:rPr>
-              <a:t>羊</a:t>
-            </a:r>
-            <a:endParaRPr lang="en-US" altLang="zh-TW" sz="5400" b="1" dirty="0">
-              <a:latin typeface="Microsoft JhengHei" panose="020B0604030504040204" pitchFamily="34" charset="-120"/>
-              <a:ea typeface="Microsoft JhengHei" panose="020B0604030504040204" pitchFamily="34" charset="-120"/>
-            </a:endParaRPr>
-          </a:p>
-          <a:p>
-            <a:pPr marL="0" indent="0" algn="ctr">
-              <a:buNone/>
-            </a:pPr>
-            <a:r>
-              <a:rPr lang="zh-TW" altLang="en-US" sz="5400" b="1" dirty="0">
-                <a:latin typeface="Microsoft JhengHei" panose="020B0604030504040204" pitchFamily="34" charset="-120"/>
-                <a:ea typeface="Microsoft JhengHei" panose="020B0604030504040204" pitchFamily="34" charset="-120"/>
-              </a:rPr>
-              <a:t>頌</a:t>
-            </a:r>
-            <a:r>
-              <a:rPr lang="zh-TW" altLang="en-US" sz="5400" b="1" dirty="0">
-                <a:latin typeface="Microsoft JhengHei" panose="020B0604030504040204" pitchFamily="34" charset="-120"/>
-                <a:ea typeface="Microsoft JhengHei" panose="020B0604030504040204" pitchFamily="34" charset="-120"/>
-              </a:rPr>
-              <a:t>讚聖</a:t>
-            </a:r>
-            <a:r>
-              <a:rPr lang="zh-TW" altLang="en-US" sz="5400" b="1" dirty="0">
-                <a:latin typeface="Microsoft JhengHei" panose="020B0604030504040204" pitchFamily="34" charset="-120"/>
-                <a:ea typeface="Microsoft JhengHei" panose="020B0604030504040204" pitchFamily="34" charset="-120"/>
-              </a:rPr>
-              <a:t>潔  聖潔  聖</a:t>
-            </a:r>
-            <a:r>
-              <a:rPr lang="zh-TW" altLang="en-US" sz="5400" b="1" dirty="0">
-                <a:latin typeface="Microsoft JhengHei" panose="020B0604030504040204" pitchFamily="34" charset="-120"/>
-                <a:ea typeface="Microsoft JhengHei" panose="020B0604030504040204" pitchFamily="34" charset="-120"/>
-              </a:rPr>
-              <a:t>潔的真</a:t>
-            </a:r>
-            <a:r>
-              <a:rPr lang="zh-TW" altLang="en-US" sz="5400" b="1" dirty="0">
-                <a:latin typeface="Microsoft JhengHei" panose="020B0604030504040204" pitchFamily="34" charset="-120"/>
-                <a:ea typeface="Microsoft JhengHei" panose="020B0604030504040204" pitchFamily="34" charset="-120"/>
-              </a:rPr>
-              <a:t>神</a:t>
-            </a:r>
-            <a:endParaRPr lang="en-US" altLang="zh-TW" sz="5400" b="1" dirty="0">
-              <a:latin typeface="Microsoft JhengHei" panose="020B0604030504040204" pitchFamily="34" charset="-120"/>
-              <a:ea typeface="Microsoft JhengHei" panose="020B0604030504040204" pitchFamily="34" charset="-120"/>
-            </a:endParaRPr>
-          </a:p>
-          <a:p>
-            <a:pPr marL="0" indent="0" algn="ctr">
-              <a:buNone/>
-            </a:pPr>
-            <a:r>
-              <a:rPr lang="zh-TW" altLang="en-US" sz="5400" b="1" dirty="0">
-                <a:latin typeface="Microsoft JhengHei" panose="020B0604030504040204" pitchFamily="34" charset="-120"/>
-                <a:ea typeface="Microsoft JhengHei" panose="020B0604030504040204" pitchFamily="34" charset="-120"/>
-              </a:rPr>
-              <a:t>頌</a:t>
-            </a:r>
-            <a:r>
-              <a:rPr lang="zh-TW" altLang="en-US" sz="5400" b="1" dirty="0">
-                <a:latin typeface="Microsoft JhengHei" panose="020B0604030504040204" pitchFamily="34" charset="-120"/>
-                <a:ea typeface="Microsoft JhengHei" panose="020B0604030504040204" pitchFamily="34" charset="-120"/>
-              </a:rPr>
-              <a:t>讚聖</a:t>
-            </a:r>
-            <a:r>
-              <a:rPr lang="zh-TW" altLang="en-US" sz="5400" b="1" dirty="0">
-                <a:latin typeface="Microsoft JhengHei" panose="020B0604030504040204" pitchFamily="34" charset="-120"/>
-                <a:ea typeface="Microsoft JhengHei" panose="020B0604030504040204" pitchFamily="34" charset="-120"/>
-              </a:rPr>
-              <a:t>潔  聖潔  聖</a:t>
-            </a:r>
-            <a:r>
-              <a:rPr lang="zh-TW" altLang="en-US" sz="5400" b="1" dirty="0">
-                <a:latin typeface="Microsoft JhengHei" panose="020B0604030504040204" pitchFamily="34" charset="-120"/>
-                <a:ea typeface="Microsoft JhengHei" panose="020B0604030504040204" pitchFamily="34" charset="-120"/>
-              </a:rPr>
-              <a:t>潔的真神</a:t>
-            </a:r>
-            <a:endParaRPr lang="vi-VN" sz="5400" b="1" dirty="0">
-              <a:latin typeface="Microsoft JhengHei" panose="020B0604030504040204" pitchFamily="34" charset="-120"/>
+              <a:t> )</a:t>
+            </a:r>
+            <a:endParaRPr lang="vi-VN" sz="4267" b="1" dirty="0">
+              <a:solidFill>
+                <a:srgbClr val="660033"/>
+              </a:solidFill>
               <a:ea typeface="Microsoft JhengHei" panose="020B0604030504040204" pitchFamily="34" charset="-120"/>
             </a:endParaRPr>
           </a:p>
@@ -4291,7 +3800,1002 @@
     </p:spTree>
     <p:extLst>
       <p:ext uri="{BB962C8B-B14F-4D97-AF65-F5344CB8AC3E}">
-        <p14:creationId xmlns:p14="http://schemas.microsoft.com/office/powerpoint/2010/main" val="3392792111"/>
+        <p14:creationId xmlns:p14="http://schemas.microsoft.com/office/powerpoint/2010/main" val="2729931514"/>
+      </p:ext>
+    </p:extLst>
+  </p:cSld>
+  <p:clrMapOvr>
+    <a:masterClrMapping/>
+  </p:clrMapOvr>
+</p:sld>
+</file>
+
+<file path=ppt/slides/slide5.xml><?xml version="1.0" encoding="utf-8"?>
+<p:sld xmlns:a="http://schemas.openxmlformats.org/drawingml/2006/main" xmlns:r="http://schemas.openxmlformats.org/officeDocument/2006/relationships" xmlns:p="http://schemas.openxmlformats.org/presentationml/2006/main">
+  <p:cSld>
+    <p:spTree>
+      <p:nvGrpSpPr>
+        <p:cNvPr id="1" name=""/>
+        <p:cNvGrpSpPr/>
+        <p:nvPr/>
+      </p:nvGrpSpPr>
+      <p:grpSpPr>
+        <a:xfrm>
+          <a:off x="0" y="0"/>
+          <a:ext cx="0" cy="0"/>
+          <a:chOff x="0" y="0"/>
+          <a:chExt cx="0" cy="0"/>
+        </a:xfrm>
+      </p:grpSpPr>
+      <p:sp>
+        <p:nvSpPr>
+          <p:cNvPr id="5" name="內容版面配置區 4"/>
+          <p:cNvSpPr>
+            <a:spLocks noGrp="1"/>
+          </p:cNvSpPr>
+          <p:nvPr>
+            <p:ph idx="1"/>
+          </p:nvPr>
+        </p:nvSpPr>
+        <p:spPr>
+          <a:xfrm>
+            <a:off x="0" y="2084851"/>
+            <a:ext cx="12192000" cy="2404863"/>
+          </a:xfrm>
+        </p:spPr>
+        <p:txBody>
+          <a:bodyPr anchor="ctr">
+            <a:normAutofit/>
+          </a:bodyPr>
+          <a:lstStyle/>
+          <a:p>
+            <a:pPr marL="0" indent="0" algn="ctr">
+              <a:buNone/>
+            </a:pPr>
+            <a:r>
+              <a:rPr lang="zh-TW" altLang="en-US" sz="6400" b="1" dirty="0">
+                <a:solidFill>
+                  <a:srgbClr val="660033"/>
+                </a:solidFill>
+                <a:latin typeface="微軟正黑體" pitchFamily="34" charset="-120"/>
+                <a:ea typeface="微軟正黑體" pitchFamily="34" charset="-120"/>
+              </a:rPr>
+              <a:t>我要跪下  跪下  在</a:t>
+            </a:r>
+            <a:r>
+              <a:rPr lang="zh-CN" altLang="en-US" sz="6400" b="1" dirty="0">
+                <a:solidFill>
+                  <a:srgbClr val="660033"/>
+                </a:solidFill>
+                <a:latin typeface="微軟正黑體" pitchFamily="34" charset="-120"/>
+                <a:ea typeface="微軟正黑體" pitchFamily="34" charset="-120"/>
+              </a:rPr>
+              <a:t>袮</a:t>
+            </a:r>
+            <a:r>
+              <a:rPr lang="zh-TW" altLang="en-US" sz="6400" b="1" dirty="0">
+                <a:solidFill>
+                  <a:srgbClr val="660033"/>
+                </a:solidFill>
+                <a:latin typeface="微軟正黑體" pitchFamily="34" charset="-120"/>
+                <a:ea typeface="微軟正黑體" pitchFamily="34" charset="-120"/>
+              </a:rPr>
+              <a:t>寶座前</a:t>
+            </a:r>
+            <a:endParaRPr lang="en-US" altLang="zh-TW" sz="6400" b="1" dirty="0">
+              <a:solidFill>
+                <a:srgbClr val="660033"/>
+              </a:solidFill>
+              <a:latin typeface="微軟正黑體" pitchFamily="34" charset="-120"/>
+              <a:ea typeface="微軟正黑體" pitchFamily="34" charset="-120"/>
+            </a:endParaRPr>
+          </a:p>
+          <a:p>
+            <a:pPr marL="0" indent="0" algn="ctr">
+              <a:buNone/>
+            </a:pPr>
+            <a:r>
+              <a:rPr lang="zh-TW" altLang="en-US" sz="6400" b="1" dirty="0">
+                <a:solidFill>
+                  <a:srgbClr val="660033"/>
+                </a:solidFill>
+                <a:latin typeface="微軟正黑體" pitchFamily="34" charset="-120"/>
+                <a:ea typeface="微軟正黑體" pitchFamily="34" charset="-120"/>
+              </a:rPr>
+              <a:t>我要跪下  跪下  在</a:t>
+            </a:r>
+            <a:r>
+              <a:rPr lang="zh-CN" altLang="en-US" sz="6400" b="1" dirty="0">
+                <a:solidFill>
+                  <a:srgbClr val="660033"/>
+                </a:solidFill>
+                <a:latin typeface="微軟正黑體" pitchFamily="34" charset="-120"/>
+                <a:ea typeface="微軟正黑體" pitchFamily="34" charset="-120"/>
+              </a:rPr>
+              <a:t>袮</a:t>
+            </a:r>
+            <a:r>
+              <a:rPr lang="zh-TW" altLang="en-US" sz="6400" b="1" dirty="0">
+                <a:solidFill>
+                  <a:srgbClr val="660033"/>
+                </a:solidFill>
+                <a:latin typeface="微軟正黑體" pitchFamily="34" charset="-120"/>
+                <a:ea typeface="微軟正黑體" pitchFamily="34" charset="-120"/>
+              </a:rPr>
+              <a:t>寶座前</a:t>
+            </a:r>
+            <a:endParaRPr lang="vi-VN" sz="6400" b="1" dirty="0">
+              <a:solidFill>
+                <a:srgbClr val="660033"/>
+              </a:solidFill>
+              <a:latin typeface="微軟正黑體" pitchFamily="34" charset="-120"/>
+              <a:ea typeface="微軟正黑體" pitchFamily="34" charset="-120"/>
+            </a:endParaRPr>
+          </a:p>
+        </p:txBody>
+      </p:sp>
+      <p:sp>
+        <p:nvSpPr>
+          <p:cNvPr id="3" name="TextBox 2"/>
+          <p:cNvSpPr txBox="1"/>
+          <p:nvPr/>
+        </p:nvSpPr>
+        <p:spPr>
+          <a:xfrm>
+            <a:off x="0" y="5157192"/>
+            <a:ext cx="12192000" cy="748988"/>
+          </a:xfrm>
+          <a:prstGeom prst="rect">
+            <a:avLst/>
+          </a:prstGeom>
+          <a:noFill/>
+        </p:spPr>
+        <p:txBody>
+          <a:bodyPr wrap="square" rtlCol="0">
+            <a:spAutoFit/>
+          </a:bodyPr>
+          <a:lstStyle/>
+          <a:p>
+            <a:pPr algn="ctr"/>
+            <a:r>
+              <a:rPr lang="en-US" sz="4267" b="1" dirty="0">
+                <a:solidFill>
+                  <a:srgbClr val="660033"/>
+                </a:solidFill>
+                <a:latin typeface="Microsoft JhengHei" panose="020B0604030504040204" pitchFamily="34" charset="-120"/>
+                <a:ea typeface="Microsoft JhengHei" panose="020B0604030504040204" pitchFamily="34" charset="-120"/>
+              </a:rPr>
+              <a:t>( </a:t>
+            </a:r>
+            <a:r>
+              <a:rPr lang="zh-CN" altLang="en-US" sz="4267" b="1" dirty="0">
+                <a:solidFill>
+                  <a:srgbClr val="660033"/>
+                </a:solidFill>
+                <a:latin typeface="Microsoft JhengHei" panose="020B0604030504040204" pitchFamily="34" charset="-120"/>
+                <a:ea typeface="Microsoft JhengHei" panose="020B0604030504040204" pitchFamily="34" charset="-120"/>
+              </a:rPr>
+              <a:t>副 </a:t>
+            </a:r>
+            <a:r>
+              <a:rPr lang="en-US" altLang="zh-CN" sz="4267" b="1" dirty="0">
+                <a:solidFill>
+                  <a:srgbClr val="660033"/>
+                </a:solidFill>
+                <a:latin typeface="Microsoft JhengHei" panose="020B0604030504040204" pitchFamily="34" charset="-120"/>
+                <a:ea typeface="Microsoft JhengHei" panose="020B0604030504040204" pitchFamily="34" charset="-120"/>
+              </a:rPr>
+              <a:t>1</a:t>
+            </a:r>
+            <a:r>
+              <a:rPr lang="en-US" sz="4267" b="1" dirty="0">
+                <a:solidFill>
+                  <a:srgbClr val="660033"/>
+                </a:solidFill>
+                <a:latin typeface="Microsoft JhengHei" panose="020B0604030504040204" pitchFamily="34" charset="-120"/>
+                <a:ea typeface="Microsoft JhengHei" panose="020B0604030504040204" pitchFamily="34" charset="-120"/>
+              </a:rPr>
+              <a:t> )</a:t>
+            </a:r>
+            <a:endParaRPr lang="vi-VN" sz="4267" b="1" dirty="0">
+              <a:solidFill>
+                <a:srgbClr val="660033"/>
+              </a:solidFill>
+              <a:ea typeface="Microsoft JhengHei" panose="020B0604030504040204" pitchFamily="34" charset="-120"/>
+            </a:endParaRPr>
+          </a:p>
+        </p:txBody>
+      </p:sp>
+    </p:spTree>
+    <p:extLst>
+      <p:ext uri="{BB962C8B-B14F-4D97-AF65-F5344CB8AC3E}">
+        <p14:creationId xmlns:p14="http://schemas.microsoft.com/office/powerpoint/2010/main" val="3599967340"/>
+      </p:ext>
+    </p:extLst>
+  </p:cSld>
+  <p:clrMapOvr>
+    <a:masterClrMapping/>
+  </p:clrMapOvr>
+</p:sld>
+</file>
+
+<file path=ppt/slides/slide6.xml><?xml version="1.0" encoding="utf-8"?>
+<p:sld xmlns:a="http://schemas.openxmlformats.org/drawingml/2006/main" xmlns:r="http://schemas.openxmlformats.org/officeDocument/2006/relationships" xmlns:p="http://schemas.openxmlformats.org/presentationml/2006/main">
+  <p:cSld>
+    <p:spTree>
+      <p:nvGrpSpPr>
+        <p:cNvPr id="1" name=""/>
+        <p:cNvGrpSpPr/>
+        <p:nvPr/>
+      </p:nvGrpSpPr>
+      <p:grpSpPr>
+        <a:xfrm>
+          <a:off x="0" y="0"/>
+          <a:ext cx="0" cy="0"/>
+          <a:chOff x="0" y="0"/>
+          <a:chExt cx="0" cy="0"/>
+        </a:xfrm>
+      </p:grpSpPr>
+      <p:sp>
+        <p:nvSpPr>
+          <p:cNvPr id="5" name="內容版面配置區 4"/>
+          <p:cNvSpPr>
+            <a:spLocks noGrp="1"/>
+          </p:cNvSpPr>
+          <p:nvPr>
+            <p:ph idx="1"/>
+          </p:nvPr>
+        </p:nvSpPr>
+        <p:spPr>
+          <a:xfrm>
+            <a:off x="0" y="2084851"/>
+            <a:ext cx="12192000" cy="2404863"/>
+          </a:xfrm>
+        </p:spPr>
+        <p:txBody>
+          <a:bodyPr anchor="ctr">
+            <a:normAutofit/>
+          </a:bodyPr>
+          <a:lstStyle/>
+          <a:p>
+            <a:pPr marL="0" indent="0" algn="ctr">
+              <a:buNone/>
+            </a:pPr>
+            <a:r>
+              <a:rPr lang="zh-TW" altLang="en-US" sz="6400" b="1" dirty="0">
+                <a:solidFill>
+                  <a:srgbClr val="660033"/>
+                </a:solidFill>
+                <a:latin typeface="微軟正黑體" pitchFamily="34" charset="-120"/>
+                <a:ea typeface="微軟正黑體" pitchFamily="34" charset="-120"/>
+              </a:rPr>
+              <a:t>讓我進入主</a:t>
+            </a:r>
+            <a:r>
+              <a:rPr lang="zh-CN" altLang="en-US" sz="6400" b="1" dirty="0">
+                <a:solidFill>
+                  <a:srgbClr val="660033"/>
+                </a:solidFill>
+                <a:latin typeface="微軟正黑體" pitchFamily="34" charset="-120"/>
+                <a:ea typeface="微軟正黑體" pitchFamily="34" charset="-120"/>
+              </a:rPr>
+              <a:t>袮</a:t>
+            </a:r>
+            <a:r>
+              <a:rPr lang="zh-TW" altLang="en-US" sz="6400" b="1" dirty="0">
+                <a:solidFill>
+                  <a:srgbClr val="660033"/>
+                </a:solidFill>
+                <a:latin typeface="微軟正黑體" pitchFamily="34" charset="-120"/>
+                <a:ea typeface="微軟正黑體" pitchFamily="34" charset="-120"/>
+              </a:rPr>
+              <a:t>的榮耀</a:t>
+            </a:r>
+            <a:endParaRPr lang="en-US" altLang="zh-TW" sz="6400" b="1" dirty="0">
+              <a:solidFill>
+                <a:srgbClr val="660033"/>
+              </a:solidFill>
+              <a:latin typeface="微軟正黑體" pitchFamily="34" charset="-120"/>
+              <a:ea typeface="微軟正黑體" pitchFamily="34" charset="-120"/>
+            </a:endParaRPr>
+          </a:p>
+          <a:p>
+            <a:pPr marL="0" indent="0" algn="ctr">
+              <a:buNone/>
+            </a:pPr>
+            <a:r>
+              <a:rPr lang="zh-TW" altLang="en-US" sz="6400" b="1" dirty="0">
+                <a:solidFill>
+                  <a:srgbClr val="660033"/>
+                </a:solidFill>
+                <a:latin typeface="微軟正黑體" pitchFamily="34" charset="-120"/>
+                <a:ea typeface="微軟正黑體" pitchFamily="34" charset="-120"/>
+              </a:rPr>
+              <a:t>我在</a:t>
+            </a:r>
+            <a:r>
+              <a:rPr lang="zh-CN" altLang="en-US" sz="6400" b="1" dirty="0">
+                <a:solidFill>
+                  <a:srgbClr val="660033"/>
+                </a:solidFill>
+                <a:latin typeface="微軟正黑體" pitchFamily="34" charset="-120"/>
+                <a:ea typeface="微軟正黑體" pitchFamily="34" charset="-120"/>
+              </a:rPr>
+              <a:t>袮</a:t>
+            </a:r>
+            <a:r>
+              <a:rPr lang="zh-TW" altLang="en-US" sz="6400" b="1" dirty="0">
+                <a:solidFill>
+                  <a:srgbClr val="660033"/>
+                </a:solidFill>
+                <a:latin typeface="微軟正黑體" pitchFamily="34" charset="-120"/>
+                <a:ea typeface="微軟正黑體" pitchFamily="34" charset="-120"/>
+              </a:rPr>
+              <a:t>聖潔光中被</a:t>
+            </a:r>
+            <a:r>
+              <a:rPr lang="zh-CN" altLang="en-US" sz="6400" b="1" dirty="0">
+                <a:solidFill>
+                  <a:srgbClr val="660033"/>
+                </a:solidFill>
+                <a:latin typeface="微軟正黑體" pitchFamily="34" charset="-120"/>
+                <a:ea typeface="微軟正黑體" pitchFamily="34" charset="-120"/>
+              </a:rPr>
+              <a:t>袮</a:t>
+            </a:r>
+            <a:r>
+              <a:rPr lang="zh-TW" altLang="en-US" sz="6400" b="1" dirty="0">
+                <a:solidFill>
+                  <a:srgbClr val="660033"/>
+                </a:solidFill>
+                <a:latin typeface="微軟正黑體" pitchFamily="34" charset="-120"/>
+                <a:ea typeface="微軟正黑體" pitchFamily="34" charset="-120"/>
+              </a:rPr>
+              <a:t>得著</a:t>
+            </a:r>
+            <a:endParaRPr lang="en-US" altLang="zh-TW" sz="6400" b="1" dirty="0">
+              <a:solidFill>
+                <a:srgbClr val="660033"/>
+              </a:solidFill>
+              <a:latin typeface="微軟正黑體" pitchFamily="34" charset="-120"/>
+              <a:ea typeface="微軟正黑體" pitchFamily="34" charset="-120"/>
+            </a:endParaRPr>
+          </a:p>
+        </p:txBody>
+      </p:sp>
+      <p:sp>
+        <p:nvSpPr>
+          <p:cNvPr id="3" name="TextBox 2"/>
+          <p:cNvSpPr txBox="1"/>
+          <p:nvPr/>
+        </p:nvSpPr>
+        <p:spPr>
+          <a:xfrm>
+            <a:off x="0" y="5157192"/>
+            <a:ext cx="12192000" cy="748988"/>
+          </a:xfrm>
+          <a:prstGeom prst="rect">
+            <a:avLst/>
+          </a:prstGeom>
+          <a:noFill/>
+        </p:spPr>
+        <p:txBody>
+          <a:bodyPr wrap="square" rtlCol="0">
+            <a:spAutoFit/>
+          </a:bodyPr>
+          <a:lstStyle/>
+          <a:p>
+            <a:pPr algn="ctr"/>
+            <a:r>
+              <a:rPr lang="en-US" sz="4267" b="1" dirty="0">
+                <a:solidFill>
+                  <a:srgbClr val="660033"/>
+                </a:solidFill>
+                <a:latin typeface="Microsoft JhengHei" panose="020B0604030504040204" pitchFamily="34" charset="-120"/>
+                <a:ea typeface="Microsoft JhengHei" panose="020B0604030504040204" pitchFamily="34" charset="-120"/>
+              </a:rPr>
+              <a:t>( </a:t>
+            </a:r>
+            <a:r>
+              <a:rPr lang="zh-CN" altLang="en-US" sz="4267" b="1" dirty="0">
+                <a:solidFill>
+                  <a:srgbClr val="660033"/>
+                </a:solidFill>
+                <a:latin typeface="Microsoft JhengHei" panose="020B0604030504040204" pitchFamily="34" charset="-120"/>
+                <a:ea typeface="Microsoft JhengHei" panose="020B0604030504040204" pitchFamily="34" charset="-120"/>
+              </a:rPr>
+              <a:t>正 </a:t>
+            </a:r>
+            <a:r>
+              <a:rPr lang="en-US" altLang="zh-CN" sz="4267" b="1" dirty="0">
+                <a:solidFill>
+                  <a:srgbClr val="660033"/>
+                </a:solidFill>
+                <a:latin typeface="Microsoft JhengHei" panose="020B0604030504040204" pitchFamily="34" charset="-120"/>
+                <a:ea typeface="Microsoft JhengHei" panose="020B0604030504040204" pitchFamily="34" charset="-120"/>
+              </a:rPr>
+              <a:t>2</a:t>
+            </a:r>
+            <a:r>
+              <a:rPr lang="en-US" sz="4267" b="1" dirty="0">
+                <a:solidFill>
+                  <a:srgbClr val="660033"/>
+                </a:solidFill>
+                <a:latin typeface="Microsoft JhengHei" panose="020B0604030504040204" pitchFamily="34" charset="-120"/>
+                <a:ea typeface="Microsoft JhengHei" panose="020B0604030504040204" pitchFamily="34" charset="-120"/>
+              </a:rPr>
+              <a:t> )</a:t>
+            </a:r>
+            <a:endParaRPr lang="vi-VN" sz="4267" b="1" dirty="0">
+              <a:solidFill>
+                <a:srgbClr val="660033"/>
+              </a:solidFill>
+              <a:ea typeface="Microsoft JhengHei" panose="020B0604030504040204" pitchFamily="34" charset="-120"/>
+            </a:endParaRPr>
+          </a:p>
+        </p:txBody>
+      </p:sp>
+    </p:spTree>
+    <p:extLst>
+      <p:ext uri="{BB962C8B-B14F-4D97-AF65-F5344CB8AC3E}">
+        <p14:creationId xmlns:p14="http://schemas.microsoft.com/office/powerpoint/2010/main" val="883989183"/>
+      </p:ext>
+    </p:extLst>
+  </p:cSld>
+  <p:clrMapOvr>
+    <a:masterClrMapping/>
+  </p:clrMapOvr>
+</p:sld>
+</file>
+
+<file path=ppt/slides/slide7.xml><?xml version="1.0" encoding="utf-8"?>
+<p:sld xmlns:a="http://schemas.openxmlformats.org/drawingml/2006/main" xmlns:r="http://schemas.openxmlformats.org/officeDocument/2006/relationships" xmlns:p="http://schemas.openxmlformats.org/presentationml/2006/main">
+  <p:cSld>
+    <p:spTree>
+      <p:nvGrpSpPr>
+        <p:cNvPr id="1" name=""/>
+        <p:cNvGrpSpPr/>
+        <p:nvPr/>
+      </p:nvGrpSpPr>
+      <p:grpSpPr>
+        <a:xfrm>
+          <a:off x="0" y="0"/>
+          <a:ext cx="0" cy="0"/>
+          <a:chOff x="0" y="0"/>
+          <a:chExt cx="0" cy="0"/>
+        </a:xfrm>
+      </p:grpSpPr>
+      <p:sp>
+        <p:nvSpPr>
+          <p:cNvPr id="5" name="內容版面配置區 4"/>
+          <p:cNvSpPr>
+            <a:spLocks noGrp="1"/>
+          </p:cNvSpPr>
+          <p:nvPr>
+            <p:ph idx="1"/>
+          </p:nvPr>
+        </p:nvSpPr>
+        <p:spPr>
+          <a:xfrm>
+            <a:off x="0" y="2084851"/>
+            <a:ext cx="12192000" cy="2404863"/>
+          </a:xfrm>
+        </p:spPr>
+        <p:txBody>
+          <a:bodyPr anchor="ctr">
+            <a:normAutofit/>
+          </a:bodyPr>
+          <a:lstStyle/>
+          <a:p>
+            <a:pPr marL="0" indent="0" algn="ctr">
+              <a:buNone/>
+            </a:pPr>
+            <a:r>
+              <a:rPr lang="zh-TW" altLang="en-US" sz="6400" b="1" dirty="0">
+                <a:solidFill>
+                  <a:srgbClr val="660033"/>
+                </a:solidFill>
+                <a:latin typeface="微軟正黑體" pitchFamily="34" charset="-120"/>
+                <a:ea typeface="微軟正黑體" pitchFamily="34" charset="-120"/>
+              </a:rPr>
+              <a:t>喔  讓</a:t>
+            </a:r>
+            <a:r>
+              <a:rPr lang="zh-TW" altLang="en-US" sz="6400" b="1" dirty="0">
+                <a:solidFill>
+                  <a:srgbClr val="660033"/>
+                </a:solidFill>
+                <a:latin typeface="微軟正黑體" pitchFamily="34" charset="-120"/>
+                <a:ea typeface="微軟正黑體" pitchFamily="34" charset="-120"/>
+              </a:rPr>
+              <a:t>我進入主</a:t>
+            </a:r>
+            <a:r>
+              <a:rPr lang="zh-CN" altLang="en-US" sz="6400" b="1" dirty="0">
+                <a:solidFill>
+                  <a:srgbClr val="660033"/>
+                </a:solidFill>
+                <a:latin typeface="微軟正黑體" pitchFamily="34" charset="-120"/>
+                <a:ea typeface="微軟正黑體" pitchFamily="34" charset="-120"/>
+              </a:rPr>
+              <a:t>袮</a:t>
+            </a:r>
+            <a:r>
+              <a:rPr lang="zh-TW" altLang="en-US" sz="6400" b="1" dirty="0">
+                <a:solidFill>
+                  <a:srgbClr val="660033"/>
+                </a:solidFill>
+                <a:latin typeface="微軟正黑體" pitchFamily="34" charset="-120"/>
+                <a:ea typeface="微軟正黑體" pitchFamily="34" charset="-120"/>
+              </a:rPr>
+              <a:t>的榮耀</a:t>
+            </a:r>
+            <a:endParaRPr lang="en-US" altLang="zh-TW" sz="6400" b="1" dirty="0">
+              <a:solidFill>
+                <a:srgbClr val="660033"/>
+              </a:solidFill>
+              <a:latin typeface="微軟正黑體" pitchFamily="34" charset="-120"/>
+              <a:ea typeface="微軟正黑體" pitchFamily="34" charset="-120"/>
+            </a:endParaRPr>
+          </a:p>
+          <a:p>
+            <a:pPr marL="0" indent="0" algn="ctr">
+              <a:buNone/>
+            </a:pPr>
+            <a:r>
+              <a:rPr lang="zh-TW" altLang="en-US" sz="6400" b="1" dirty="0">
+                <a:solidFill>
+                  <a:srgbClr val="660033"/>
+                </a:solidFill>
+                <a:latin typeface="微軟正黑體" pitchFamily="34" charset="-120"/>
+                <a:ea typeface="微軟正黑體" pitchFamily="34" charset="-120"/>
+              </a:rPr>
+              <a:t>我要單單為主</a:t>
+            </a:r>
+            <a:r>
+              <a:rPr lang="zh-CN" altLang="en-US" sz="6400" b="1" dirty="0">
+                <a:solidFill>
+                  <a:srgbClr val="660033"/>
+                </a:solidFill>
+                <a:latin typeface="微軟正黑體" pitchFamily="34" charset="-120"/>
+                <a:ea typeface="微軟正黑體" pitchFamily="34" charset="-120"/>
+              </a:rPr>
+              <a:t>袮</a:t>
+            </a:r>
+            <a:r>
+              <a:rPr lang="zh-TW" altLang="en-US" sz="6400" b="1" dirty="0">
+                <a:solidFill>
+                  <a:srgbClr val="660033"/>
+                </a:solidFill>
+                <a:latin typeface="微軟正黑體" pitchFamily="34" charset="-120"/>
+                <a:ea typeface="微軟正黑體" pitchFamily="34" charset="-120"/>
+              </a:rPr>
+              <a:t>而活</a:t>
+            </a:r>
+            <a:endParaRPr lang="vi-VN" sz="6400" b="1" dirty="0">
+              <a:solidFill>
+                <a:srgbClr val="660033"/>
+              </a:solidFill>
+              <a:latin typeface="微軟正黑體" pitchFamily="34" charset="-120"/>
+              <a:ea typeface="微軟正黑體" pitchFamily="34" charset="-120"/>
+            </a:endParaRPr>
+          </a:p>
+        </p:txBody>
+      </p:sp>
+      <p:sp>
+        <p:nvSpPr>
+          <p:cNvPr id="3" name="TextBox 2"/>
+          <p:cNvSpPr txBox="1"/>
+          <p:nvPr/>
+        </p:nvSpPr>
+        <p:spPr>
+          <a:xfrm>
+            <a:off x="0" y="5157192"/>
+            <a:ext cx="12192000" cy="748988"/>
+          </a:xfrm>
+          <a:prstGeom prst="rect">
+            <a:avLst/>
+          </a:prstGeom>
+          <a:noFill/>
+        </p:spPr>
+        <p:txBody>
+          <a:bodyPr wrap="square" rtlCol="0">
+            <a:spAutoFit/>
+          </a:bodyPr>
+          <a:lstStyle/>
+          <a:p>
+            <a:pPr algn="ctr"/>
+            <a:r>
+              <a:rPr lang="en-US" sz="4267" b="1" dirty="0">
+                <a:solidFill>
+                  <a:srgbClr val="660033"/>
+                </a:solidFill>
+                <a:latin typeface="Microsoft JhengHei" panose="020B0604030504040204" pitchFamily="34" charset="-120"/>
+                <a:ea typeface="Microsoft JhengHei" panose="020B0604030504040204" pitchFamily="34" charset="-120"/>
+              </a:rPr>
+              <a:t>( </a:t>
+            </a:r>
+            <a:r>
+              <a:rPr lang="zh-CN" altLang="en-US" sz="4267" b="1" dirty="0">
+                <a:solidFill>
+                  <a:srgbClr val="660033"/>
+                </a:solidFill>
+                <a:latin typeface="Microsoft JhengHei" panose="020B0604030504040204" pitchFamily="34" charset="-120"/>
+                <a:ea typeface="Microsoft JhengHei" panose="020B0604030504040204" pitchFamily="34" charset="-120"/>
+              </a:rPr>
+              <a:t>正 </a:t>
+            </a:r>
+            <a:r>
+              <a:rPr lang="en-US" altLang="zh-CN" sz="4267" b="1" dirty="0">
+                <a:solidFill>
+                  <a:srgbClr val="660033"/>
+                </a:solidFill>
+                <a:latin typeface="Microsoft JhengHei" panose="020B0604030504040204" pitchFamily="34" charset="-120"/>
+                <a:ea typeface="Microsoft JhengHei" panose="020B0604030504040204" pitchFamily="34" charset="-120"/>
+              </a:rPr>
+              <a:t>2</a:t>
+            </a:r>
+            <a:r>
+              <a:rPr lang="en-US" sz="4267" b="1" dirty="0">
+                <a:solidFill>
+                  <a:srgbClr val="660033"/>
+                </a:solidFill>
+                <a:latin typeface="Microsoft JhengHei" panose="020B0604030504040204" pitchFamily="34" charset="-120"/>
+                <a:ea typeface="Microsoft JhengHei" panose="020B0604030504040204" pitchFamily="34" charset="-120"/>
+              </a:rPr>
+              <a:t> )</a:t>
+            </a:r>
+            <a:endParaRPr lang="vi-VN" sz="4267" b="1" dirty="0">
+              <a:solidFill>
+                <a:srgbClr val="660033"/>
+              </a:solidFill>
+              <a:ea typeface="Microsoft JhengHei" panose="020B0604030504040204" pitchFamily="34" charset="-120"/>
+            </a:endParaRPr>
+          </a:p>
+        </p:txBody>
+      </p:sp>
+    </p:spTree>
+    <p:extLst>
+      <p:ext uri="{BB962C8B-B14F-4D97-AF65-F5344CB8AC3E}">
+        <p14:creationId xmlns:p14="http://schemas.microsoft.com/office/powerpoint/2010/main" val="3535856579"/>
+      </p:ext>
+    </p:extLst>
+  </p:cSld>
+  <p:clrMapOvr>
+    <a:masterClrMapping/>
+  </p:clrMapOvr>
+</p:sld>
+</file>
+
+<file path=ppt/slides/slide8.xml><?xml version="1.0" encoding="utf-8"?>
+<p:sld xmlns:a="http://schemas.openxmlformats.org/drawingml/2006/main" xmlns:r="http://schemas.openxmlformats.org/officeDocument/2006/relationships" xmlns:p="http://schemas.openxmlformats.org/presentationml/2006/main">
+  <p:cSld>
+    <p:spTree>
+      <p:nvGrpSpPr>
+        <p:cNvPr id="1" name=""/>
+        <p:cNvGrpSpPr/>
+        <p:nvPr/>
+      </p:nvGrpSpPr>
+      <p:grpSpPr>
+        <a:xfrm>
+          <a:off x="0" y="0"/>
+          <a:ext cx="0" cy="0"/>
+          <a:chOff x="0" y="0"/>
+          <a:chExt cx="0" cy="0"/>
+        </a:xfrm>
+      </p:grpSpPr>
+      <p:sp>
+        <p:nvSpPr>
+          <p:cNvPr id="5" name="內容版面配置區 4"/>
+          <p:cNvSpPr>
+            <a:spLocks noGrp="1"/>
+          </p:cNvSpPr>
+          <p:nvPr>
+            <p:ph idx="1"/>
+          </p:nvPr>
+        </p:nvSpPr>
+        <p:spPr>
+          <a:xfrm>
+            <a:off x="0" y="2084851"/>
+            <a:ext cx="12192000" cy="2404863"/>
+          </a:xfrm>
+        </p:spPr>
+        <p:txBody>
+          <a:bodyPr anchor="ctr">
+            <a:normAutofit/>
+          </a:bodyPr>
+          <a:lstStyle/>
+          <a:p>
+            <a:pPr marL="0" indent="0" algn="ctr">
+              <a:buNone/>
+            </a:pPr>
+            <a:r>
+              <a:rPr lang="zh-TW" altLang="en-US" sz="6400" b="1" dirty="0">
+                <a:solidFill>
+                  <a:srgbClr val="660033"/>
+                </a:solidFill>
+                <a:latin typeface="微軟正黑體" pitchFamily="34" charset="-120"/>
+                <a:ea typeface="微軟正黑體" pitchFamily="34" charset="-120"/>
+              </a:rPr>
+              <a:t>頌讚榮耀  榮耀  榮耀歸羔羊</a:t>
+            </a:r>
+            <a:endParaRPr lang="en-US" altLang="zh-TW" sz="6400" b="1" dirty="0">
+              <a:solidFill>
+                <a:srgbClr val="660033"/>
+              </a:solidFill>
+              <a:latin typeface="微軟正黑體" pitchFamily="34" charset="-120"/>
+              <a:ea typeface="微軟正黑體" pitchFamily="34" charset="-120"/>
+            </a:endParaRPr>
+          </a:p>
+          <a:p>
+            <a:pPr marL="0" indent="0" algn="ctr">
+              <a:buNone/>
+            </a:pPr>
+            <a:r>
+              <a:rPr lang="zh-TW" altLang="en-US" sz="6400" b="1" dirty="0">
+                <a:solidFill>
+                  <a:srgbClr val="660033"/>
+                </a:solidFill>
+                <a:latin typeface="微軟正黑體" pitchFamily="34" charset="-120"/>
+                <a:ea typeface="微軟正黑體" pitchFamily="34" charset="-120"/>
+              </a:rPr>
+              <a:t>頌讚榮耀  榮耀  榮耀歸羔羊</a:t>
+            </a:r>
+            <a:endParaRPr lang="en-US" altLang="zh-TW" sz="6400" b="1" dirty="0">
+              <a:solidFill>
+                <a:srgbClr val="660033"/>
+              </a:solidFill>
+              <a:latin typeface="微軟正黑體" pitchFamily="34" charset="-120"/>
+              <a:ea typeface="微軟正黑體" pitchFamily="34" charset="-120"/>
+            </a:endParaRPr>
+          </a:p>
+        </p:txBody>
+      </p:sp>
+      <p:sp>
+        <p:nvSpPr>
+          <p:cNvPr id="3" name="TextBox 2"/>
+          <p:cNvSpPr txBox="1"/>
+          <p:nvPr/>
+        </p:nvSpPr>
+        <p:spPr>
+          <a:xfrm>
+            <a:off x="0" y="5157192"/>
+            <a:ext cx="12192000" cy="748988"/>
+          </a:xfrm>
+          <a:prstGeom prst="rect">
+            <a:avLst/>
+          </a:prstGeom>
+          <a:noFill/>
+        </p:spPr>
+        <p:txBody>
+          <a:bodyPr wrap="square" rtlCol="0">
+            <a:spAutoFit/>
+          </a:bodyPr>
+          <a:lstStyle/>
+          <a:p>
+            <a:pPr algn="ctr"/>
+            <a:r>
+              <a:rPr lang="en-US" sz="4267" b="1" dirty="0">
+                <a:solidFill>
+                  <a:srgbClr val="660033"/>
+                </a:solidFill>
+                <a:latin typeface="Microsoft JhengHei" panose="020B0604030504040204" pitchFamily="34" charset="-120"/>
+                <a:ea typeface="Microsoft JhengHei" panose="020B0604030504040204" pitchFamily="34" charset="-120"/>
+              </a:rPr>
+              <a:t>( </a:t>
+            </a:r>
+            <a:r>
+              <a:rPr lang="zh-CN" altLang="en-US" sz="4267" b="1" dirty="0">
+                <a:solidFill>
+                  <a:srgbClr val="660033"/>
+                </a:solidFill>
+                <a:latin typeface="Microsoft JhengHei" panose="020B0604030504040204" pitchFamily="34" charset="-120"/>
+                <a:ea typeface="Microsoft JhengHei" panose="020B0604030504040204" pitchFamily="34" charset="-120"/>
+              </a:rPr>
+              <a:t>副 </a:t>
+            </a:r>
+            <a:r>
+              <a:rPr lang="en-US" altLang="zh-CN" sz="4267" b="1" dirty="0">
+                <a:solidFill>
+                  <a:srgbClr val="660033"/>
+                </a:solidFill>
+                <a:latin typeface="Microsoft JhengHei" panose="020B0604030504040204" pitchFamily="34" charset="-120"/>
+                <a:ea typeface="Microsoft JhengHei" panose="020B0604030504040204" pitchFamily="34" charset="-120"/>
+              </a:rPr>
+              <a:t>2</a:t>
+            </a:r>
+            <a:r>
+              <a:rPr lang="en-US" sz="4267" b="1" dirty="0">
+                <a:solidFill>
+                  <a:srgbClr val="660033"/>
+                </a:solidFill>
+                <a:latin typeface="Microsoft JhengHei" panose="020B0604030504040204" pitchFamily="34" charset="-120"/>
+                <a:ea typeface="Microsoft JhengHei" panose="020B0604030504040204" pitchFamily="34" charset="-120"/>
+              </a:rPr>
+              <a:t> )</a:t>
+            </a:r>
+            <a:endParaRPr lang="vi-VN" sz="4267" b="1" dirty="0">
+              <a:solidFill>
+                <a:srgbClr val="660033"/>
+              </a:solidFill>
+              <a:ea typeface="Microsoft JhengHei" panose="020B0604030504040204" pitchFamily="34" charset="-120"/>
+            </a:endParaRPr>
+          </a:p>
+        </p:txBody>
+      </p:sp>
+    </p:spTree>
+    <p:extLst>
+      <p:ext uri="{BB962C8B-B14F-4D97-AF65-F5344CB8AC3E}">
+        <p14:creationId xmlns:p14="http://schemas.microsoft.com/office/powerpoint/2010/main" val="1650834636"/>
+      </p:ext>
+    </p:extLst>
+  </p:cSld>
+  <p:clrMapOvr>
+    <a:masterClrMapping/>
+  </p:clrMapOvr>
+</p:sld>
+</file>
+
+<file path=ppt/slides/slide9.xml><?xml version="1.0" encoding="utf-8"?>
+<p:sld xmlns:a="http://schemas.openxmlformats.org/drawingml/2006/main" xmlns:r="http://schemas.openxmlformats.org/officeDocument/2006/relationships" xmlns:p="http://schemas.openxmlformats.org/presentationml/2006/main">
+  <p:cSld>
+    <p:spTree>
+      <p:nvGrpSpPr>
+        <p:cNvPr id="1" name=""/>
+        <p:cNvGrpSpPr/>
+        <p:nvPr/>
+      </p:nvGrpSpPr>
+      <p:grpSpPr>
+        <a:xfrm>
+          <a:off x="0" y="0"/>
+          <a:ext cx="0" cy="0"/>
+          <a:chOff x="0" y="0"/>
+          <a:chExt cx="0" cy="0"/>
+        </a:xfrm>
+      </p:grpSpPr>
+      <p:sp>
+        <p:nvSpPr>
+          <p:cNvPr id="5" name="內容版面配置區 4"/>
+          <p:cNvSpPr>
+            <a:spLocks noGrp="1"/>
+          </p:cNvSpPr>
+          <p:nvPr>
+            <p:ph idx="1"/>
+          </p:nvPr>
+        </p:nvSpPr>
+        <p:spPr>
+          <a:xfrm>
+            <a:off x="0" y="2084851"/>
+            <a:ext cx="12192000" cy="2404863"/>
+          </a:xfrm>
+        </p:spPr>
+        <p:txBody>
+          <a:bodyPr anchor="ctr">
+            <a:normAutofit/>
+          </a:bodyPr>
+          <a:lstStyle/>
+          <a:p>
+            <a:pPr marL="0" indent="0" algn="ctr">
+              <a:buNone/>
+            </a:pPr>
+            <a:r>
+              <a:rPr lang="zh-TW" altLang="en-US" sz="6400" b="1" dirty="0">
+                <a:solidFill>
+                  <a:srgbClr val="660033"/>
+                </a:solidFill>
+                <a:latin typeface="微軟正黑體" pitchFamily="34" charset="-120"/>
+                <a:ea typeface="微軟正黑體" pitchFamily="34" charset="-120"/>
+              </a:rPr>
+              <a:t>頌讚聖潔  聖潔  聖潔的真神</a:t>
+            </a:r>
+            <a:endParaRPr lang="en-US" altLang="zh-TW" sz="6400" b="1" dirty="0">
+              <a:solidFill>
+                <a:srgbClr val="660033"/>
+              </a:solidFill>
+              <a:latin typeface="微軟正黑體" pitchFamily="34" charset="-120"/>
+              <a:ea typeface="微軟正黑體" pitchFamily="34" charset="-120"/>
+            </a:endParaRPr>
+          </a:p>
+          <a:p>
+            <a:pPr marL="0" indent="0" algn="ctr">
+              <a:buNone/>
+            </a:pPr>
+            <a:r>
+              <a:rPr lang="zh-TW" altLang="en-US" sz="6400" b="1" dirty="0">
+                <a:solidFill>
+                  <a:srgbClr val="660033"/>
+                </a:solidFill>
+                <a:latin typeface="微軟正黑體" pitchFamily="34" charset="-120"/>
+                <a:ea typeface="微軟正黑體" pitchFamily="34" charset="-120"/>
+              </a:rPr>
+              <a:t>頌讚聖潔  聖潔  聖潔的真神</a:t>
+            </a:r>
+            <a:endParaRPr lang="vi-VN" sz="6400" b="1" dirty="0">
+              <a:solidFill>
+                <a:srgbClr val="660033"/>
+              </a:solidFill>
+              <a:latin typeface="微軟正黑體" pitchFamily="34" charset="-120"/>
+              <a:ea typeface="微軟正黑體" pitchFamily="34" charset="-120"/>
+            </a:endParaRPr>
+          </a:p>
+        </p:txBody>
+      </p:sp>
+      <p:sp>
+        <p:nvSpPr>
+          <p:cNvPr id="3" name="TextBox 2"/>
+          <p:cNvSpPr txBox="1"/>
+          <p:nvPr/>
+        </p:nvSpPr>
+        <p:spPr>
+          <a:xfrm>
+            <a:off x="0" y="5157192"/>
+            <a:ext cx="12192000" cy="748988"/>
+          </a:xfrm>
+          <a:prstGeom prst="rect">
+            <a:avLst/>
+          </a:prstGeom>
+          <a:noFill/>
+        </p:spPr>
+        <p:txBody>
+          <a:bodyPr wrap="square" rtlCol="0">
+            <a:spAutoFit/>
+          </a:bodyPr>
+          <a:lstStyle/>
+          <a:p>
+            <a:pPr algn="ctr"/>
+            <a:r>
+              <a:rPr lang="en-US" sz="4267" b="1" dirty="0">
+                <a:solidFill>
+                  <a:srgbClr val="660033"/>
+                </a:solidFill>
+                <a:latin typeface="Microsoft JhengHei" panose="020B0604030504040204" pitchFamily="34" charset="-120"/>
+                <a:ea typeface="Microsoft JhengHei" panose="020B0604030504040204" pitchFamily="34" charset="-120"/>
+              </a:rPr>
+              <a:t>( </a:t>
+            </a:r>
+            <a:r>
+              <a:rPr lang="zh-CN" altLang="en-US" sz="4267" b="1" dirty="0">
+                <a:solidFill>
+                  <a:srgbClr val="660033"/>
+                </a:solidFill>
+                <a:latin typeface="Microsoft JhengHei" panose="020B0604030504040204" pitchFamily="34" charset="-120"/>
+                <a:ea typeface="Microsoft JhengHei" panose="020B0604030504040204" pitchFamily="34" charset="-120"/>
+              </a:rPr>
+              <a:t>副 </a:t>
+            </a:r>
+            <a:r>
+              <a:rPr lang="en-US" altLang="zh-CN" sz="4267" b="1" dirty="0">
+                <a:solidFill>
+                  <a:srgbClr val="660033"/>
+                </a:solidFill>
+                <a:latin typeface="Microsoft JhengHei" panose="020B0604030504040204" pitchFamily="34" charset="-120"/>
+                <a:ea typeface="Microsoft JhengHei" panose="020B0604030504040204" pitchFamily="34" charset="-120"/>
+              </a:rPr>
+              <a:t>2</a:t>
+            </a:r>
+            <a:r>
+              <a:rPr lang="en-US" sz="4267" b="1" dirty="0">
+                <a:solidFill>
+                  <a:srgbClr val="660033"/>
+                </a:solidFill>
+                <a:latin typeface="Microsoft JhengHei" panose="020B0604030504040204" pitchFamily="34" charset="-120"/>
+                <a:ea typeface="Microsoft JhengHei" panose="020B0604030504040204" pitchFamily="34" charset="-120"/>
+              </a:rPr>
+              <a:t> )</a:t>
+            </a:r>
+            <a:endParaRPr lang="vi-VN" sz="4267" b="1" dirty="0">
+              <a:solidFill>
+                <a:srgbClr val="660033"/>
+              </a:solidFill>
+              <a:ea typeface="Microsoft JhengHei" panose="020B0604030504040204" pitchFamily="34" charset="-120"/>
+            </a:endParaRPr>
+          </a:p>
+        </p:txBody>
+      </p:sp>
+    </p:spTree>
+    <p:extLst>
+      <p:ext uri="{BB962C8B-B14F-4D97-AF65-F5344CB8AC3E}">
+        <p14:creationId xmlns:p14="http://schemas.microsoft.com/office/powerpoint/2010/main" val="3279983732"/>
       </p:ext>
     </p:extLst>
   </p:cSld>

--- a/進入你的同在.pptx
+++ b/進入你的同在.pptx
@@ -158,7 +158,7 @@
           <a:lstStyle/>
           <a:p>
             <a:r>
-              <a:rPr lang="en-US" altLang="zh-TW" smtClean="0"/>
+              <a:rPr lang="en-US" altLang="zh-TW"/>
               <a:t>Click to edit Master title style</a:t>
             </a:r>
             <a:endParaRPr lang="zh-TW" altLang="en-US"/>
@@ -277,7 +277,7 @@
           </a:lstStyle>
           <a:p>
             <a:r>
-              <a:rPr lang="en-US" altLang="zh-TW" smtClean="0"/>
+              <a:rPr lang="en-US" altLang="zh-TW"/>
               <a:t>Click to edit Master subtitle style</a:t>
             </a:r>
             <a:endParaRPr lang="zh-TW" altLang="en-US"/>
@@ -301,7 +301,7 @@
           <a:p>
             <a:fld id="{D45E875E-E62D-4977-9C36-DA63769E2105}" type="datetimeFigureOut">
               <a:rPr lang="vi-VN" smtClean="0"/>
-              <a:t>26/11/2022</a:t>
+              <a:t>02/03/2024</a:t>
             </a:fld>
             <a:endParaRPr lang="vi-VN"/>
           </a:p>
@@ -395,7 +395,7 @@
           <a:lstStyle/>
           <a:p>
             <a:r>
-              <a:rPr lang="en-US" altLang="zh-TW" smtClean="0"/>
+              <a:rPr lang="en-US" altLang="zh-TW"/>
               <a:t>Click to edit Master title style</a:t>
             </a:r>
             <a:endParaRPr lang="zh-TW" altLang="en-US"/>
@@ -419,35 +419,35 @@
           <a:p>
             <a:pPr lvl="0"/>
             <a:r>
-              <a:rPr lang="en-US" altLang="zh-TW" smtClean="0"/>
+              <a:rPr lang="en-US" altLang="zh-TW"/>
               <a:t>Edit Master text styles</a:t>
             </a:r>
           </a:p>
           <a:p>
             <a:pPr lvl="1"/>
             <a:r>
-              <a:rPr lang="en-US" altLang="zh-TW" smtClean="0"/>
+              <a:rPr lang="en-US" altLang="zh-TW"/>
               <a:t>Second level</a:t>
             </a:r>
           </a:p>
           <a:p>
             <a:pPr lvl="2"/>
             <a:r>
-              <a:rPr lang="en-US" altLang="zh-TW" smtClean="0"/>
+              <a:rPr lang="en-US" altLang="zh-TW"/>
               <a:t>Third level</a:t>
             </a:r>
           </a:p>
           <a:p>
             <a:pPr lvl="3"/>
             <a:r>
-              <a:rPr lang="en-US" altLang="zh-TW" smtClean="0"/>
+              <a:rPr lang="en-US" altLang="zh-TW"/>
               <a:t>Fourth level</a:t>
             </a:r>
           </a:p>
           <a:p>
             <a:pPr lvl="4"/>
             <a:r>
-              <a:rPr lang="en-US" altLang="zh-TW" smtClean="0"/>
+              <a:rPr lang="en-US" altLang="zh-TW"/>
               <a:t>Fifth level</a:t>
             </a:r>
             <a:endParaRPr lang="zh-TW" altLang="en-US"/>
@@ -471,7 +471,7 @@
           <a:p>
             <a:fld id="{D45E875E-E62D-4977-9C36-DA63769E2105}" type="datetimeFigureOut">
               <a:rPr lang="vi-VN" smtClean="0"/>
-              <a:t>26/11/2022</a:t>
+              <a:t>02/03/2024</a:t>
             </a:fld>
             <a:endParaRPr lang="vi-VN"/>
           </a:p>
@@ -570,7 +570,7 @@
           <a:lstStyle/>
           <a:p>
             <a:r>
-              <a:rPr lang="en-US" altLang="zh-TW" smtClean="0"/>
+              <a:rPr lang="en-US" altLang="zh-TW"/>
               <a:t>Click to edit Master title style</a:t>
             </a:r>
             <a:endParaRPr lang="zh-TW" altLang="en-US"/>
@@ -599,35 +599,35 @@
           <a:p>
             <a:pPr lvl="0"/>
             <a:r>
-              <a:rPr lang="en-US" altLang="zh-TW" smtClean="0"/>
+              <a:rPr lang="en-US" altLang="zh-TW"/>
               <a:t>Edit Master text styles</a:t>
             </a:r>
           </a:p>
           <a:p>
             <a:pPr lvl="1"/>
             <a:r>
-              <a:rPr lang="en-US" altLang="zh-TW" smtClean="0"/>
+              <a:rPr lang="en-US" altLang="zh-TW"/>
               <a:t>Second level</a:t>
             </a:r>
           </a:p>
           <a:p>
             <a:pPr lvl="2"/>
             <a:r>
-              <a:rPr lang="en-US" altLang="zh-TW" smtClean="0"/>
+              <a:rPr lang="en-US" altLang="zh-TW"/>
               <a:t>Third level</a:t>
             </a:r>
           </a:p>
           <a:p>
             <a:pPr lvl="3"/>
             <a:r>
-              <a:rPr lang="en-US" altLang="zh-TW" smtClean="0"/>
+              <a:rPr lang="en-US" altLang="zh-TW"/>
               <a:t>Fourth level</a:t>
             </a:r>
           </a:p>
           <a:p>
             <a:pPr lvl="4"/>
             <a:r>
-              <a:rPr lang="en-US" altLang="zh-TW" smtClean="0"/>
+              <a:rPr lang="en-US" altLang="zh-TW"/>
               <a:t>Fifth level</a:t>
             </a:r>
             <a:endParaRPr lang="zh-TW" altLang="en-US"/>
@@ -651,7 +651,7 @@
           <a:p>
             <a:fld id="{D45E875E-E62D-4977-9C36-DA63769E2105}" type="datetimeFigureOut">
               <a:rPr lang="vi-VN" smtClean="0"/>
-              <a:t>26/11/2022</a:t>
+              <a:t>02/03/2024</a:t>
             </a:fld>
             <a:endParaRPr lang="vi-VN"/>
           </a:p>
@@ -745,7 +745,7 @@
           <a:lstStyle/>
           <a:p>
             <a:r>
-              <a:rPr lang="en-US" altLang="zh-TW" smtClean="0"/>
+              <a:rPr lang="en-US" altLang="zh-TW"/>
               <a:t>Click to edit Master title style</a:t>
             </a:r>
             <a:endParaRPr lang="zh-TW" altLang="en-US"/>
@@ -769,35 +769,35 @@
           <a:p>
             <a:pPr lvl="0"/>
             <a:r>
-              <a:rPr lang="en-US" altLang="zh-TW" smtClean="0"/>
+              <a:rPr lang="en-US" altLang="zh-TW"/>
               <a:t>Edit Master text styles</a:t>
             </a:r>
           </a:p>
           <a:p>
             <a:pPr lvl="1"/>
             <a:r>
-              <a:rPr lang="en-US" altLang="zh-TW" smtClean="0"/>
+              <a:rPr lang="en-US" altLang="zh-TW"/>
               <a:t>Second level</a:t>
             </a:r>
           </a:p>
           <a:p>
             <a:pPr lvl="2"/>
             <a:r>
-              <a:rPr lang="en-US" altLang="zh-TW" smtClean="0"/>
+              <a:rPr lang="en-US" altLang="zh-TW"/>
               <a:t>Third level</a:t>
             </a:r>
           </a:p>
           <a:p>
             <a:pPr lvl="3"/>
             <a:r>
-              <a:rPr lang="en-US" altLang="zh-TW" smtClean="0"/>
+              <a:rPr lang="en-US" altLang="zh-TW"/>
               <a:t>Fourth level</a:t>
             </a:r>
           </a:p>
           <a:p>
             <a:pPr lvl="4"/>
             <a:r>
-              <a:rPr lang="en-US" altLang="zh-TW" smtClean="0"/>
+              <a:rPr lang="en-US" altLang="zh-TW"/>
               <a:t>Fifth level</a:t>
             </a:r>
             <a:endParaRPr lang="zh-TW" altLang="en-US"/>
@@ -821,7 +821,7 @@
           <a:p>
             <a:fld id="{D45E875E-E62D-4977-9C36-DA63769E2105}" type="datetimeFigureOut">
               <a:rPr lang="vi-VN" smtClean="0"/>
-              <a:t>26/11/2022</a:t>
+              <a:t>02/03/2024</a:t>
             </a:fld>
             <a:endParaRPr lang="vi-VN"/>
           </a:p>
@@ -924,7 +924,7 @@
           </a:lstStyle>
           <a:p>
             <a:r>
-              <a:rPr lang="en-US" altLang="zh-TW" smtClean="0"/>
+              <a:rPr lang="en-US" altLang="zh-TW"/>
               <a:t>Click to edit Master title style</a:t>
             </a:r>
             <a:endParaRPr lang="zh-TW" altLang="en-US"/>
@@ -1044,7 +1044,7 @@
           <a:p>
             <a:pPr lvl="0"/>
             <a:r>
-              <a:rPr lang="en-US" altLang="zh-TW" smtClean="0"/>
+              <a:rPr lang="en-US" altLang="zh-TW"/>
               <a:t>Edit Master text styles</a:t>
             </a:r>
           </a:p>
@@ -1067,7 +1067,7 @@
           <a:p>
             <a:fld id="{D45E875E-E62D-4977-9C36-DA63769E2105}" type="datetimeFigureOut">
               <a:rPr lang="vi-VN" smtClean="0"/>
-              <a:t>26/11/2022</a:t>
+              <a:t>02/03/2024</a:t>
             </a:fld>
             <a:endParaRPr lang="vi-VN"/>
           </a:p>
@@ -1161,7 +1161,7 @@
           <a:lstStyle/>
           <a:p>
             <a:r>
-              <a:rPr lang="en-US" altLang="zh-TW" smtClean="0"/>
+              <a:rPr lang="en-US" altLang="zh-TW"/>
               <a:t>Click to edit Master title style</a:t>
             </a:r>
             <a:endParaRPr lang="zh-TW" altLang="en-US"/>
@@ -1218,35 +1218,35 @@
           <a:p>
             <a:pPr lvl="0"/>
             <a:r>
-              <a:rPr lang="en-US" altLang="zh-TW" smtClean="0"/>
+              <a:rPr lang="en-US" altLang="zh-TW"/>
               <a:t>Edit Master text styles</a:t>
             </a:r>
           </a:p>
           <a:p>
             <a:pPr lvl="1"/>
             <a:r>
-              <a:rPr lang="en-US" altLang="zh-TW" smtClean="0"/>
+              <a:rPr lang="en-US" altLang="zh-TW"/>
               <a:t>Second level</a:t>
             </a:r>
           </a:p>
           <a:p>
             <a:pPr lvl="2"/>
             <a:r>
-              <a:rPr lang="en-US" altLang="zh-TW" smtClean="0"/>
+              <a:rPr lang="en-US" altLang="zh-TW"/>
               <a:t>Third level</a:t>
             </a:r>
           </a:p>
           <a:p>
             <a:pPr lvl="3"/>
             <a:r>
-              <a:rPr lang="en-US" altLang="zh-TW" smtClean="0"/>
+              <a:rPr lang="en-US" altLang="zh-TW"/>
               <a:t>Fourth level</a:t>
             </a:r>
           </a:p>
           <a:p>
             <a:pPr lvl="4"/>
             <a:r>
-              <a:rPr lang="en-US" altLang="zh-TW" smtClean="0"/>
+              <a:rPr lang="en-US" altLang="zh-TW"/>
               <a:t>Fifth level</a:t>
             </a:r>
             <a:endParaRPr lang="zh-TW" altLang="en-US"/>
@@ -1303,35 +1303,35 @@
           <a:p>
             <a:pPr lvl="0"/>
             <a:r>
-              <a:rPr lang="en-US" altLang="zh-TW" smtClean="0"/>
+              <a:rPr lang="en-US" altLang="zh-TW"/>
               <a:t>Edit Master text styles</a:t>
             </a:r>
           </a:p>
           <a:p>
             <a:pPr lvl="1"/>
             <a:r>
-              <a:rPr lang="en-US" altLang="zh-TW" smtClean="0"/>
+              <a:rPr lang="en-US" altLang="zh-TW"/>
               <a:t>Second level</a:t>
             </a:r>
           </a:p>
           <a:p>
             <a:pPr lvl="2"/>
             <a:r>
-              <a:rPr lang="en-US" altLang="zh-TW" smtClean="0"/>
+              <a:rPr lang="en-US" altLang="zh-TW"/>
               <a:t>Third level</a:t>
             </a:r>
           </a:p>
           <a:p>
             <a:pPr lvl="3"/>
             <a:r>
-              <a:rPr lang="en-US" altLang="zh-TW" smtClean="0"/>
+              <a:rPr lang="en-US" altLang="zh-TW"/>
               <a:t>Fourth level</a:t>
             </a:r>
           </a:p>
           <a:p>
             <a:pPr lvl="4"/>
             <a:r>
-              <a:rPr lang="en-US" altLang="zh-TW" smtClean="0"/>
+              <a:rPr lang="en-US" altLang="zh-TW"/>
               <a:t>Fifth level</a:t>
             </a:r>
             <a:endParaRPr lang="zh-TW" altLang="en-US"/>
@@ -1355,7 +1355,7 @@
           <a:p>
             <a:fld id="{D45E875E-E62D-4977-9C36-DA63769E2105}" type="datetimeFigureOut">
               <a:rPr lang="vi-VN" smtClean="0"/>
-              <a:t>26/11/2022</a:t>
+              <a:t>02/03/2024</a:t>
             </a:fld>
             <a:endParaRPr lang="vi-VN"/>
           </a:p>
@@ -1453,7 +1453,7 @@
           </a:lstStyle>
           <a:p>
             <a:r>
-              <a:rPr lang="en-US" altLang="zh-TW" smtClean="0"/>
+              <a:rPr lang="en-US" altLang="zh-TW"/>
               <a:t>Click to edit Master title style</a:t>
             </a:r>
             <a:endParaRPr lang="zh-TW" altLang="en-US"/>
@@ -1519,7 +1519,7 @@
           <a:p>
             <a:pPr lvl="0"/>
             <a:r>
-              <a:rPr lang="en-US" altLang="zh-TW" smtClean="0"/>
+              <a:rPr lang="en-US" altLang="zh-TW"/>
               <a:t>Edit Master text styles</a:t>
             </a:r>
           </a:p>
@@ -1575,35 +1575,35 @@
           <a:p>
             <a:pPr lvl="0"/>
             <a:r>
-              <a:rPr lang="en-US" altLang="zh-TW" smtClean="0"/>
+              <a:rPr lang="en-US" altLang="zh-TW"/>
               <a:t>Edit Master text styles</a:t>
             </a:r>
           </a:p>
           <a:p>
             <a:pPr lvl="1"/>
             <a:r>
-              <a:rPr lang="en-US" altLang="zh-TW" smtClean="0"/>
+              <a:rPr lang="en-US" altLang="zh-TW"/>
               <a:t>Second level</a:t>
             </a:r>
           </a:p>
           <a:p>
             <a:pPr lvl="2"/>
             <a:r>
-              <a:rPr lang="en-US" altLang="zh-TW" smtClean="0"/>
+              <a:rPr lang="en-US" altLang="zh-TW"/>
               <a:t>Third level</a:t>
             </a:r>
           </a:p>
           <a:p>
             <a:pPr lvl="3"/>
             <a:r>
-              <a:rPr lang="en-US" altLang="zh-TW" smtClean="0"/>
+              <a:rPr lang="en-US" altLang="zh-TW"/>
               <a:t>Fourth level</a:t>
             </a:r>
           </a:p>
           <a:p>
             <a:pPr lvl="4"/>
             <a:r>
-              <a:rPr lang="en-US" altLang="zh-TW" smtClean="0"/>
+              <a:rPr lang="en-US" altLang="zh-TW"/>
               <a:t>Fifth level</a:t>
             </a:r>
             <a:endParaRPr lang="zh-TW" altLang="en-US"/>
@@ -1669,7 +1669,7 @@
           <a:p>
             <a:pPr lvl="0"/>
             <a:r>
-              <a:rPr lang="en-US" altLang="zh-TW" smtClean="0"/>
+              <a:rPr lang="en-US" altLang="zh-TW"/>
               <a:t>Edit Master text styles</a:t>
             </a:r>
           </a:p>
@@ -1725,35 +1725,35 @@
           <a:p>
             <a:pPr lvl="0"/>
             <a:r>
-              <a:rPr lang="en-US" altLang="zh-TW" smtClean="0"/>
+              <a:rPr lang="en-US" altLang="zh-TW"/>
               <a:t>Edit Master text styles</a:t>
             </a:r>
           </a:p>
           <a:p>
             <a:pPr lvl="1"/>
             <a:r>
-              <a:rPr lang="en-US" altLang="zh-TW" smtClean="0"/>
+              <a:rPr lang="en-US" altLang="zh-TW"/>
               <a:t>Second level</a:t>
             </a:r>
           </a:p>
           <a:p>
             <a:pPr lvl="2"/>
             <a:r>
-              <a:rPr lang="en-US" altLang="zh-TW" smtClean="0"/>
+              <a:rPr lang="en-US" altLang="zh-TW"/>
               <a:t>Third level</a:t>
             </a:r>
           </a:p>
           <a:p>
             <a:pPr lvl="3"/>
             <a:r>
-              <a:rPr lang="en-US" altLang="zh-TW" smtClean="0"/>
+              <a:rPr lang="en-US" altLang="zh-TW"/>
               <a:t>Fourth level</a:t>
             </a:r>
           </a:p>
           <a:p>
             <a:pPr lvl="4"/>
             <a:r>
-              <a:rPr lang="en-US" altLang="zh-TW" smtClean="0"/>
+              <a:rPr lang="en-US" altLang="zh-TW"/>
               <a:t>Fifth level</a:t>
             </a:r>
             <a:endParaRPr lang="zh-TW" altLang="en-US"/>
@@ -1777,7 +1777,7 @@
           <a:p>
             <a:fld id="{D45E875E-E62D-4977-9C36-DA63769E2105}" type="datetimeFigureOut">
               <a:rPr lang="vi-VN" smtClean="0"/>
-              <a:t>26/11/2022</a:t>
+              <a:t>02/03/2024</a:t>
             </a:fld>
             <a:endParaRPr lang="vi-VN"/>
           </a:p>
@@ -1871,7 +1871,7 @@
           <a:lstStyle/>
           <a:p>
             <a:r>
-              <a:rPr lang="en-US" altLang="zh-TW" smtClean="0"/>
+              <a:rPr lang="en-US" altLang="zh-TW"/>
               <a:t>Click to edit Master title style</a:t>
             </a:r>
             <a:endParaRPr lang="zh-TW" altLang="en-US"/>
@@ -1895,7 +1895,7 @@
           <a:p>
             <a:fld id="{D45E875E-E62D-4977-9C36-DA63769E2105}" type="datetimeFigureOut">
               <a:rPr lang="vi-VN" smtClean="0"/>
-              <a:t>26/11/2022</a:t>
+              <a:t>02/03/2024</a:t>
             </a:fld>
             <a:endParaRPr lang="vi-VN"/>
           </a:p>
@@ -1990,7 +1990,7 @@
           <a:p>
             <a:fld id="{D45E875E-E62D-4977-9C36-DA63769E2105}" type="datetimeFigureOut">
               <a:rPr lang="vi-VN" smtClean="0"/>
-              <a:t>26/11/2022</a:t>
+              <a:t>02/03/2024</a:t>
             </a:fld>
             <a:endParaRPr lang="vi-VN"/>
           </a:p>
@@ -2093,7 +2093,7 @@
           </a:lstStyle>
           <a:p>
             <a:r>
-              <a:rPr lang="en-US" altLang="zh-TW" smtClean="0"/>
+              <a:rPr lang="en-US" altLang="zh-TW"/>
               <a:t>Click to edit Master title style</a:t>
             </a:r>
             <a:endParaRPr lang="zh-TW" altLang="en-US"/>
@@ -2150,35 +2150,35 @@
           <a:p>
             <a:pPr lvl="0"/>
             <a:r>
-              <a:rPr lang="en-US" altLang="zh-TW" smtClean="0"/>
+              <a:rPr lang="en-US" altLang="zh-TW"/>
               <a:t>Edit Master text styles</a:t>
             </a:r>
           </a:p>
           <a:p>
             <a:pPr lvl="1"/>
             <a:r>
-              <a:rPr lang="en-US" altLang="zh-TW" smtClean="0"/>
+              <a:rPr lang="en-US" altLang="zh-TW"/>
               <a:t>Second level</a:t>
             </a:r>
           </a:p>
           <a:p>
             <a:pPr lvl="2"/>
             <a:r>
-              <a:rPr lang="en-US" altLang="zh-TW" smtClean="0"/>
+              <a:rPr lang="en-US" altLang="zh-TW"/>
               <a:t>Third level</a:t>
             </a:r>
           </a:p>
           <a:p>
             <a:pPr lvl="3"/>
             <a:r>
-              <a:rPr lang="en-US" altLang="zh-TW" smtClean="0"/>
+              <a:rPr lang="en-US" altLang="zh-TW"/>
               <a:t>Fourth level</a:t>
             </a:r>
           </a:p>
           <a:p>
             <a:pPr lvl="4"/>
             <a:r>
-              <a:rPr lang="en-US" altLang="zh-TW" smtClean="0"/>
+              <a:rPr lang="en-US" altLang="zh-TW"/>
               <a:t>Fifth level</a:t>
             </a:r>
             <a:endParaRPr lang="zh-TW" altLang="en-US"/>
@@ -2244,7 +2244,7 @@
           <a:p>
             <a:pPr lvl="0"/>
             <a:r>
-              <a:rPr lang="en-US" altLang="zh-TW" smtClean="0"/>
+              <a:rPr lang="en-US" altLang="zh-TW"/>
               <a:t>Edit Master text styles</a:t>
             </a:r>
           </a:p>
@@ -2267,7 +2267,7 @@
           <a:p>
             <a:fld id="{D45E875E-E62D-4977-9C36-DA63769E2105}" type="datetimeFigureOut">
               <a:rPr lang="vi-VN" smtClean="0"/>
-              <a:t>26/11/2022</a:t>
+              <a:t>02/03/2024</a:t>
             </a:fld>
             <a:endParaRPr lang="vi-VN"/>
           </a:p>
@@ -2370,7 +2370,7 @@
           </a:lstStyle>
           <a:p>
             <a:r>
-              <a:rPr lang="en-US" altLang="zh-TW" smtClean="0"/>
+              <a:rPr lang="en-US" altLang="zh-TW"/>
               <a:t>Click to edit Master title style</a:t>
             </a:r>
             <a:endParaRPr lang="zh-TW" altLang="en-US"/>
@@ -2435,7 +2435,7 @@
           </a:lstStyle>
           <a:p>
             <a:r>
-              <a:rPr lang="en-US" altLang="zh-TW" smtClean="0"/>
+              <a:rPr lang="en-US" altLang="zh-TW"/>
               <a:t>Click icon to add picture</a:t>
             </a:r>
             <a:endParaRPr lang="zh-TW" altLang="en-US"/>
@@ -2501,7 +2501,7 @@
           <a:p>
             <a:pPr lvl="0"/>
             <a:r>
-              <a:rPr lang="en-US" altLang="zh-TW" smtClean="0"/>
+              <a:rPr lang="en-US" altLang="zh-TW"/>
               <a:t>Edit Master text styles</a:t>
             </a:r>
           </a:p>
@@ -2524,7 +2524,7 @@
           <a:p>
             <a:fld id="{D45E875E-E62D-4977-9C36-DA63769E2105}" type="datetimeFigureOut">
               <a:rPr lang="vi-VN" smtClean="0"/>
-              <a:t>26/11/2022</a:t>
+              <a:t>02/03/2024</a:t>
             </a:fld>
             <a:endParaRPr lang="vi-VN"/>
           </a:p>
@@ -2638,10 +2638,9 @@
           <a:lstStyle/>
           <a:p>
             <a:r>
-              <a:rPr lang="zh-TW" altLang="en-US" smtClean="0"/>
+              <a:rPr lang="zh-TW" altLang="en-US"/>
               <a:t>按一下以編輯母片標題樣式</a:t>
             </a:r>
-            <a:endParaRPr lang="zh-TW" altLang="en-US"/>
           </a:p>
         </p:txBody>
       </p:sp>
@@ -2672,38 +2671,37 @@
           <a:p>
             <a:pPr lvl="0"/>
             <a:r>
-              <a:rPr lang="zh-TW" altLang="en-US" smtClean="0"/>
+              <a:rPr lang="zh-TW" altLang="en-US"/>
               <a:t>按一下以編輯母片文字樣式</a:t>
             </a:r>
           </a:p>
           <a:p>
             <a:pPr lvl="1"/>
             <a:r>
-              <a:rPr lang="zh-TW" altLang="en-US" smtClean="0"/>
+              <a:rPr lang="zh-TW" altLang="en-US"/>
               <a:t>第二層</a:t>
             </a:r>
           </a:p>
           <a:p>
             <a:pPr lvl="2"/>
             <a:r>
-              <a:rPr lang="zh-TW" altLang="en-US" smtClean="0"/>
+              <a:rPr lang="zh-TW" altLang="en-US"/>
               <a:t>第三層</a:t>
             </a:r>
           </a:p>
           <a:p>
             <a:pPr lvl="3"/>
             <a:r>
-              <a:rPr lang="zh-TW" altLang="en-US" smtClean="0"/>
+              <a:rPr lang="zh-TW" altLang="en-US"/>
               <a:t>第四層</a:t>
             </a:r>
           </a:p>
           <a:p>
             <a:pPr lvl="4"/>
             <a:r>
-              <a:rPr lang="zh-TW" altLang="en-US" smtClean="0"/>
+              <a:rPr lang="zh-TW" altLang="en-US"/>
               <a:t>第五層</a:t>
             </a:r>
-            <a:endParaRPr lang="zh-TW" altLang="en-US"/>
           </a:p>
         </p:txBody>
       </p:sp>
@@ -2742,7 +2740,7 @@
           <a:p>
             <a:fld id="{D45E875E-E62D-4977-9C36-DA63769E2105}" type="datetimeFigureOut">
               <a:rPr lang="vi-VN" smtClean="0"/>
-              <a:t>26/11/2022</a:t>
+              <a:t>02/03/2024</a:t>
             </a:fld>
             <a:endParaRPr lang="vi-VN"/>
           </a:p>
@@ -3154,10 +3152,10 @@
                 <a:latin typeface="微軟正黑體" pitchFamily="34" charset="-120"/>
                 <a:ea typeface="微軟正黑體" pitchFamily="34" charset="-120"/>
               </a:rPr>
-              <a:t>進</a:t>
-            </a:r>
-            <a:r>
-              <a:rPr lang="zh-TW" altLang="en-US" sz="7200" b="1" i="1" dirty="0">
+              <a:t>進入</a:t>
+            </a:r>
+            <a:r>
+              <a:rPr lang="zh-CN" altLang="en-US" sz="7200" b="1" i="1" dirty="0">
                 <a:solidFill>
                   <a:srgbClr val="660033"/>
                 </a:solidFill>
@@ -3171,24 +3169,7 @@
                 <a:latin typeface="微軟正黑體" pitchFamily="34" charset="-120"/>
                 <a:ea typeface="微軟正黑體" pitchFamily="34" charset="-120"/>
               </a:rPr>
-              <a:t>入</a:t>
-            </a:r>
-            <a:r>
-              <a:rPr lang="zh-CN" altLang="en-US" sz="7200" b="1" i="1" dirty="0">
-                <a:solidFill>
-                  <a:srgbClr val="660033"/>
-                </a:solidFill>
-                <a:effectLst>
-                  <a:outerShdw blurRad="38100" dist="38100" dir="2700000" algn="tl">
-                    <a:srgbClr val="000000">
-                      <a:alpha val="43137"/>
-                    </a:srgbClr>
-                  </a:outerShdw>
-                </a:effectLst>
-                <a:latin typeface="微軟正黑體" pitchFamily="34" charset="-120"/>
-                <a:ea typeface="微軟正黑體" pitchFamily="34" charset="-120"/>
-              </a:rPr>
-              <a:t>袮</a:t>
+              <a:t>祢</a:t>
             </a:r>
             <a:r>
               <a:rPr lang="zh-TW" altLang="en-US" sz="7200" b="1" i="1" dirty="0">
@@ -3273,27 +3254,17 @@
                 <a:latin typeface="微軟正黑體" pitchFamily="34" charset="-120"/>
                 <a:ea typeface="微軟正黑體" pitchFamily="34" charset="-120"/>
               </a:rPr>
-              <a:t>讓</a:t>
-            </a:r>
-            <a:r>
-              <a:rPr lang="zh-TW" altLang="en-US" sz="6400" b="1" dirty="0">
+              <a:t>讓我進入主</a:t>
+            </a:r>
+            <a:r>
+              <a:rPr lang="zh-CN" altLang="en-US" sz="6400" b="1" dirty="0">
                 <a:solidFill>
                   <a:srgbClr val="660033"/>
                 </a:solidFill>
                 <a:latin typeface="微軟正黑體" pitchFamily="34" charset="-120"/>
                 <a:ea typeface="微軟正黑體" pitchFamily="34" charset="-120"/>
               </a:rPr>
-              <a:t>我進入主</a:t>
-            </a:r>
-            <a:r>
-              <a:rPr lang="zh-CN" altLang="en-US" sz="6400" b="1" dirty="0">
-                <a:solidFill>
-                  <a:srgbClr val="660033"/>
-                </a:solidFill>
-                <a:latin typeface="微軟正黑體" pitchFamily="34" charset="-120"/>
-                <a:ea typeface="微軟正黑體" pitchFamily="34" charset="-120"/>
-              </a:rPr>
-              <a:t>袮</a:t>
+              <a:t>祢</a:t>
             </a:r>
             <a:r>
               <a:rPr lang="zh-TW" altLang="en-US" sz="6400" b="1" dirty="0">
@@ -3346,7 +3317,7 @@
         <p:spPr>
           <a:xfrm>
             <a:off x="0" y="5157192"/>
-            <a:ext cx="12192000" cy="748988"/>
+            <a:ext cx="12192000" cy="646331"/>
           </a:xfrm>
           <a:prstGeom prst="rect">
             <a:avLst/>
@@ -3361,7 +3332,7 @@
           <a:p>
             <a:pPr algn="ctr"/>
             <a:r>
-              <a:rPr lang="en-US" sz="4267" b="1" dirty="0">
+              <a:rPr lang="en-US" sz="3600" b="1" dirty="0">
                 <a:solidFill>
                   <a:srgbClr val="660033"/>
                 </a:solidFill>
@@ -3371,17 +3342,17 @@
               <a:t>( </a:t>
             </a:r>
             <a:r>
-              <a:rPr lang="zh-CN" altLang="en-US" sz="4267" b="1" dirty="0">
+              <a:rPr lang="zh-CN" altLang="en-US" sz="3600" b="1" dirty="0">
                 <a:solidFill>
                   <a:srgbClr val="660033"/>
                 </a:solidFill>
                 <a:latin typeface="Microsoft JhengHei" panose="020B0604030504040204" pitchFamily="34" charset="-120"/>
                 <a:ea typeface="Microsoft JhengHei" panose="020B0604030504040204" pitchFamily="34" charset="-120"/>
               </a:rPr>
-              <a:t>正 </a:t>
-            </a:r>
-            <a:r>
-              <a:rPr lang="en-US" altLang="zh-CN" sz="4267" b="1" dirty="0">
+              <a:t>正歌 </a:t>
+            </a:r>
+            <a:r>
+              <a:rPr lang="en-US" altLang="zh-CN" sz="3600" b="1" dirty="0">
                 <a:solidFill>
                   <a:srgbClr val="660033"/>
                 </a:solidFill>
@@ -3391,7 +3362,7 @@
               <a:t>1</a:t>
             </a:r>
             <a:r>
-              <a:rPr lang="en-US" sz="4267" b="1" dirty="0">
+              <a:rPr lang="en-US" sz="3600" b="1" dirty="0">
                 <a:solidFill>
                   <a:srgbClr val="660033"/>
                 </a:solidFill>
@@ -3400,7 +3371,7 @@
               </a:rPr>
               <a:t> )</a:t>
             </a:r>
-            <a:endParaRPr lang="vi-VN" sz="4267" b="1" dirty="0">
+            <a:endParaRPr lang="vi-VN" sz="3600" b="1" dirty="0">
               <a:solidFill>
                 <a:srgbClr val="660033"/>
               </a:solidFill>
@@ -3472,27 +3443,17 @@
                 <a:latin typeface="微軟正黑體" pitchFamily="34" charset="-120"/>
                 <a:ea typeface="微軟正黑體" pitchFamily="34" charset="-120"/>
               </a:rPr>
-              <a:t>喔  讓</a:t>
-            </a:r>
-            <a:r>
-              <a:rPr lang="zh-TW" altLang="en-US" sz="6400" b="1" dirty="0">
+              <a:t>喔  讓我進入主</a:t>
+            </a:r>
+            <a:r>
+              <a:rPr lang="zh-CN" altLang="en-US" sz="6400" b="1" dirty="0">
                 <a:solidFill>
                   <a:srgbClr val="660033"/>
                 </a:solidFill>
                 <a:latin typeface="微軟正黑體" pitchFamily="34" charset="-120"/>
                 <a:ea typeface="微軟正黑體" pitchFamily="34" charset="-120"/>
               </a:rPr>
-              <a:t>我進入主</a:t>
-            </a:r>
-            <a:r>
-              <a:rPr lang="zh-CN" altLang="en-US" sz="6400" b="1" dirty="0">
-                <a:solidFill>
-                  <a:srgbClr val="660033"/>
-                </a:solidFill>
-                <a:latin typeface="微軟正黑體" pitchFamily="34" charset="-120"/>
-                <a:ea typeface="微軟正黑體" pitchFamily="34" charset="-120"/>
-              </a:rPr>
-              <a:t>袮</a:t>
+              <a:t>祢</a:t>
             </a:r>
             <a:r>
               <a:rPr lang="zh-TW" altLang="en-US" sz="6400" b="1" dirty="0">
@@ -3534,7 +3495,7 @@
                 <a:latin typeface="微軟正黑體" pitchFamily="34" charset="-120"/>
                 <a:ea typeface="微軟正黑體" pitchFamily="34" charset="-120"/>
               </a:rPr>
-              <a:t>袮</a:t>
+              <a:t>祢</a:t>
             </a:r>
             <a:r>
               <a:rPr lang="zh-TW" altLang="en-US" sz="6400" b="1" dirty="0">
@@ -3565,7 +3526,7 @@
         <p:spPr>
           <a:xfrm>
             <a:off x="0" y="5157192"/>
-            <a:ext cx="12192000" cy="748988"/>
+            <a:ext cx="12192000" cy="646331"/>
           </a:xfrm>
           <a:prstGeom prst="rect">
             <a:avLst/>
@@ -3580,7 +3541,7 @@
           <a:p>
             <a:pPr algn="ctr"/>
             <a:r>
-              <a:rPr lang="en-US" sz="4267" b="1" dirty="0">
+              <a:rPr lang="en-US" sz="3600" b="1" dirty="0">
                 <a:solidFill>
                   <a:srgbClr val="660033"/>
                 </a:solidFill>
@@ -3590,17 +3551,17 @@
               <a:t>( </a:t>
             </a:r>
             <a:r>
-              <a:rPr lang="zh-CN" altLang="en-US" sz="4267" b="1" dirty="0">
+              <a:rPr lang="zh-CN" altLang="en-US" sz="3600" b="1" dirty="0">
                 <a:solidFill>
                   <a:srgbClr val="660033"/>
                 </a:solidFill>
                 <a:latin typeface="Microsoft JhengHei" panose="020B0604030504040204" pitchFamily="34" charset="-120"/>
                 <a:ea typeface="Microsoft JhengHei" panose="020B0604030504040204" pitchFamily="34" charset="-120"/>
               </a:rPr>
-              <a:t>正 </a:t>
-            </a:r>
-            <a:r>
-              <a:rPr lang="en-US" altLang="zh-CN" sz="4267" b="1" dirty="0">
+              <a:t>正歌 </a:t>
+            </a:r>
+            <a:r>
+              <a:rPr lang="en-US" altLang="zh-CN" sz="3600" b="1" dirty="0">
                 <a:solidFill>
                   <a:srgbClr val="660033"/>
                 </a:solidFill>
@@ -3610,7 +3571,7 @@
               <a:t>1</a:t>
             </a:r>
             <a:r>
-              <a:rPr lang="en-US" sz="4267" b="1" dirty="0">
+              <a:rPr lang="en-US" sz="3600" b="1" dirty="0">
                 <a:solidFill>
                   <a:srgbClr val="660033"/>
                 </a:solidFill>
@@ -3619,7 +3580,7 @@
               </a:rPr>
               <a:t> )</a:t>
             </a:r>
-            <a:endParaRPr lang="vi-VN" sz="4267" b="1" dirty="0">
+            <a:endParaRPr lang="vi-VN" sz="3600" b="1" dirty="0">
               <a:solidFill>
                 <a:srgbClr val="660033"/>
               </a:solidFill>
@@ -3734,7 +3695,7 @@
         <p:spPr>
           <a:xfrm>
             <a:off x="0" y="5157192"/>
-            <a:ext cx="12192000" cy="748988"/>
+            <a:ext cx="12192000" cy="646331"/>
           </a:xfrm>
           <a:prstGeom prst="rect">
             <a:avLst/>
@@ -3749,7 +3710,7 @@
           <a:p>
             <a:pPr algn="ctr"/>
             <a:r>
-              <a:rPr lang="en-US" sz="4267" b="1" dirty="0">
+              <a:rPr lang="en-US" sz="3600" b="1" dirty="0">
                 <a:solidFill>
                   <a:srgbClr val="660033"/>
                 </a:solidFill>
@@ -3759,17 +3720,17 @@
               <a:t>( </a:t>
             </a:r>
             <a:r>
-              <a:rPr lang="zh-CN" altLang="en-US" sz="4267" b="1" dirty="0">
+              <a:rPr lang="zh-CN" altLang="en-US" sz="3600" b="1" dirty="0">
                 <a:solidFill>
                   <a:srgbClr val="660033"/>
                 </a:solidFill>
                 <a:latin typeface="Microsoft JhengHei" panose="020B0604030504040204" pitchFamily="34" charset="-120"/>
                 <a:ea typeface="Microsoft JhengHei" panose="020B0604030504040204" pitchFamily="34" charset="-120"/>
               </a:rPr>
-              <a:t>副 </a:t>
-            </a:r>
-            <a:r>
-              <a:rPr lang="en-US" altLang="zh-CN" sz="4267" b="1" dirty="0">
+              <a:t>副歌 </a:t>
+            </a:r>
+            <a:r>
+              <a:rPr lang="en-US" altLang="zh-CN" sz="3600" b="1" dirty="0">
                 <a:solidFill>
                   <a:srgbClr val="660033"/>
                 </a:solidFill>
@@ -3779,7 +3740,7 @@
               <a:t>1</a:t>
             </a:r>
             <a:r>
-              <a:rPr lang="en-US" sz="4267" b="1" dirty="0">
+              <a:rPr lang="en-US" sz="3600" b="1" dirty="0">
                 <a:solidFill>
                   <a:srgbClr val="660033"/>
                 </a:solidFill>
@@ -3788,7 +3749,7 @@
               </a:rPr>
               <a:t> )</a:t>
             </a:r>
-            <a:endParaRPr lang="vi-VN" sz="4267" b="1" dirty="0">
+            <a:endParaRPr lang="vi-VN" sz="3600" b="1" dirty="0">
               <a:solidFill>
                 <a:srgbClr val="660033"/>
               </a:solidFill>
@@ -3870,7 +3831,7 @@
                 <a:latin typeface="微軟正黑體" pitchFamily="34" charset="-120"/>
                 <a:ea typeface="微軟正黑體" pitchFamily="34" charset="-120"/>
               </a:rPr>
-              <a:t>袮</a:t>
+              <a:t>祢</a:t>
             </a:r>
             <a:r>
               <a:rPr lang="zh-TW" altLang="en-US" sz="6400" b="1" dirty="0">
@@ -3912,7 +3873,7 @@
                 <a:latin typeface="微軟正黑體" pitchFamily="34" charset="-120"/>
                 <a:ea typeface="微軟正黑體" pitchFamily="34" charset="-120"/>
               </a:rPr>
-              <a:t>袮</a:t>
+              <a:t>祢</a:t>
             </a:r>
             <a:r>
               <a:rPr lang="zh-TW" altLang="en-US" sz="6400" b="1" dirty="0">
@@ -3943,7 +3904,7 @@
         <p:spPr>
           <a:xfrm>
             <a:off x="0" y="5157192"/>
-            <a:ext cx="12192000" cy="748988"/>
+            <a:ext cx="12192000" cy="646331"/>
           </a:xfrm>
           <a:prstGeom prst="rect">
             <a:avLst/>
@@ -3958,7 +3919,7 @@
           <a:p>
             <a:pPr algn="ctr"/>
             <a:r>
-              <a:rPr lang="en-US" sz="4267" b="1" dirty="0">
+              <a:rPr lang="en-US" sz="3600" b="1" dirty="0">
                 <a:solidFill>
                   <a:srgbClr val="660033"/>
                 </a:solidFill>
@@ -3968,17 +3929,17 @@
               <a:t>( </a:t>
             </a:r>
             <a:r>
-              <a:rPr lang="zh-CN" altLang="en-US" sz="4267" b="1" dirty="0">
+              <a:rPr lang="zh-CN" altLang="en-US" sz="3600" b="1" dirty="0">
                 <a:solidFill>
                   <a:srgbClr val="660033"/>
                 </a:solidFill>
                 <a:latin typeface="Microsoft JhengHei" panose="020B0604030504040204" pitchFamily="34" charset="-120"/>
                 <a:ea typeface="Microsoft JhengHei" panose="020B0604030504040204" pitchFamily="34" charset="-120"/>
               </a:rPr>
-              <a:t>副 </a:t>
-            </a:r>
-            <a:r>
-              <a:rPr lang="en-US" altLang="zh-CN" sz="4267" b="1" dirty="0">
+              <a:t>副歌 </a:t>
+            </a:r>
+            <a:r>
+              <a:rPr lang="en-US" altLang="zh-CN" sz="3600" b="1" dirty="0">
                 <a:solidFill>
                   <a:srgbClr val="660033"/>
                 </a:solidFill>
@@ -3988,7 +3949,7 @@
               <a:t>1</a:t>
             </a:r>
             <a:r>
-              <a:rPr lang="en-US" sz="4267" b="1" dirty="0">
+              <a:rPr lang="en-US" sz="3600" b="1" dirty="0">
                 <a:solidFill>
                   <a:srgbClr val="660033"/>
                 </a:solidFill>
@@ -3997,7 +3958,7 @@
               </a:rPr>
               <a:t> )</a:t>
             </a:r>
-            <a:endParaRPr lang="vi-VN" sz="4267" b="1" dirty="0">
+            <a:endParaRPr lang="vi-VN" sz="3600" b="1" dirty="0">
               <a:solidFill>
                 <a:srgbClr val="660033"/>
               </a:solidFill>
@@ -4079,7 +4040,7 @@
                 <a:latin typeface="微軟正黑體" pitchFamily="34" charset="-120"/>
                 <a:ea typeface="微軟正黑體" pitchFamily="34" charset="-120"/>
               </a:rPr>
-              <a:t>袮</a:t>
+              <a:t>祢</a:t>
             </a:r>
             <a:r>
               <a:rPr lang="zh-TW" altLang="en-US" sz="6400" b="1" dirty="0">
@@ -4121,7 +4082,7 @@
                 <a:latin typeface="微軟正黑體" pitchFamily="34" charset="-120"/>
                 <a:ea typeface="微軟正黑體" pitchFamily="34" charset="-120"/>
               </a:rPr>
-              <a:t>袮</a:t>
+              <a:t>祢</a:t>
             </a:r>
             <a:r>
               <a:rPr lang="zh-TW" altLang="en-US" sz="6400" b="1" dirty="0">
@@ -4141,7 +4102,7 @@
                 <a:latin typeface="微軟正黑體" pitchFamily="34" charset="-120"/>
                 <a:ea typeface="微軟正黑體" pitchFamily="34" charset="-120"/>
               </a:rPr>
-              <a:t>袮</a:t>
+              <a:t>祢</a:t>
             </a:r>
             <a:r>
               <a:rPr lang="zh-TW" altLang="en-US" sz="6400" b="1" dirty="0">
@@ -4172,7 +4133,7 @@
         <p:spPr>
           <a:xfrm>
             <a:off x="0" y="5157192"/>
-            <a:ext cx="12192000" cy="748988"/>
+            <a:ext cx="12192000" cy="646331"/>
           </a:xfrm>
           <a:prstGeom prst="rect">
             <a:avLst/>
@@ -4187,7 +4148,7 @@
           <a:p>
             <a:pPr algn="ctr"/>
             <a:r>
-              <a:rPr lang="en-US" sz="4267" b="1" dirty="0">
+              <a:rPr lang="en-US" sz="3600" b="1" dirty="0">
                 <a:solidFill>
                   <a:srgbClr val="660033"/>
                 </a:solidFill>
@@ -4197,17 +4158,17 @@
               <a:t>( </a:t>
             </a:r>
             <a:r>
-              <a:rPr lang="zh-CN" altLang="en-US" sz="4267" b="1" dirty="0">
+              <a:rPr lang="zh-CN" altLang="en-US" sz="3600" b="1" dirty="0">
                 <a:solidFill>
                   <a:srgbClr val="660033"/>
                 </a:solidFill>
                 <a:latin typeface="Microsoft JhengHei" panose="020B0604030504040204" pitchFamily="34" charset="-120"/>
                 <a:ea typeface="Microsoft JhengHei" panose="020B0604030504040204" pitchFamily="34" charset="-120"/>
               </a:rPr>
-              <a:t>正 </a:t>
-            </a:r>
-            <a:r>
-              <a:rPr lang="en-US" altLang="zh-CN" sz="4267" b="1" dirty="0">
+              <a:t>正歌 </a:t>
+            </a:r>
+            <a:r>
+              <a:rPr lang="en-US" altLang="zh-CN" sz="3600" b="1" dirty="0">
                 <a:solidFill>
                   <a:srgbClr val="660033"/>
                 </a:solidFill>
@@ -4217,7 +4178,7 @@
               <a:t>2</a:t>
             </a:r>
             <a:r>
-              <a:rPr lang="en-US" sz="4267" b="1" dirty="0">
+              <a:rPr lang="en-US" sz="3600" b="1" dirty="0">
                 <a:solidFill>
                   <a:srgbClr val="660033"/>
                 </a:solidFill>
@@ -4226,7 +4187,7 @@
               </a:rPr>
               <a:t> )</a:t>
             </a:r>
-            <a:endParaRPr lang="vi-VN" sz="4267" b="1" dirty="0">
+            <a:endParaRPr lang="vi-VN" sz="3600" b="1" dirty="0">
               <a:solidFill>
                 <a:srgbClr val="660033"/>
               </a:solidFill>
@@ -4298,27 +4259,17 @@
                 <a:latin typeface="微軟正黑體" pitchFamily="34" charset="-120"/>
                 <a:ea typeface="微軟正黑體" pitchFamily="34" charset="-120"/>
               </a:rPr>
-              <a:t>喔  讓</a:t>
-            </a:r>
-            <a:r>
-              <a:rPr lang="zh-TW" altLang="en-US" sz="6400" b="1" dirty="0">
+              <a:t>喔  讓我進入主</a:t>
+            </a:r>
+            <a:r>
+              <a:rPr lang="zh-CN" altLang="en-US" sz="6400" b="1" dirty="0">
                 <a:solidFill>
                   <a:srgbClr val="660033"/>
                 </a:solidFill>
                 <a:latin typeface="微軟正黑體" pitchFamily="34" charset="-120"/>
                 <a:ea typeface="微軟正黑體" pitchFamily="34" charset="-120"/>
               </a:rPr>
-              <a:t>我進入主</a:t>
-            </a:r>
-            <a:r>
-              <a:rPr lang="zh-CN" altLang="en-US" sz="6400" b="1" dirty="0">
-                <a:solidFill>
-                  <a:srgbClr val="660033"/>
-                </a:solidFill>
-                <a:latin typeface="微軟正黑體" pitchFamily="34" charset="-120"/>
-                <a:ea typeface="微軟正黑體" pitchFamily="34" charset="-120"/>
-              </a:rPr>
-              <a:t>袮</a:t>
+              <a:t>祢</a:t>
             </a:r>
             <a:r>
               <a:rPr lang="zh-TW" altLang="en-US" sz="6400" b="1" dirty="0">
@@ -4360,7 +4311,7 @@
                 <a:latin typeface="微軟正黑體" pitchFamily="34" charset="-120"/>
                 <a:ea typeface="微軟正黑體" pitchFamily="34" charset="-120"/>
               </a:rPr>
-              <a:t>袮</a:t>
+              <a:t>祢</a:t>
             </a:r>
             <a:r>
               <a:rPr lang="zh-TW" altLang="en-US" sz="6400" b="1" dirty="0">
@@ -4391,7 +4342,7 @@
         <p:spPr>
           <a:xfrm>
             <a:off x="0" y="5157192"/>
-            <a:ext cx="12192000" cy="748988"/>
+            <a:ext cx="12192000" cy="646331"/>
           </a:xfrm>
           <a:prstGeom prst="rect">
             <a:avLst/>
@@ -4406,7 +4357,7 @@
           <a:p>
             <a:pPr algn="ctr"/>
             <a:r>
-              <a:rPr lang="en-US" sz="4267" b="1" dirty="0">
+              <a:rPr lang="en-US" sz="3600" b="1" dirty="0">
                 <a:solidFill>
                   <a:srgbClr val="660033"/>
                 </a:solidFill>
@@ -4416,17 +4367,17 @@
               <a:t>( </a:t>
             </a:r>
             <a:r>
-              <a:rPr lang="zh-CN" altLang="en-US" sz="4267" b="1" dirty="0">
+              <a:rPr lang="zh-CN" altLang="en-US" sz="3600" b="1" dirty="0">
                 <a:solidFill>
                   <a:srgbClr val="660033"/>
                 </a:solidFill>
                 <a:latin typeface="Microsoft JhengHei" panose="020B0604030504040204" pitchFamily="34" charset="-120"/>
                 <a:ea typeface="Microsoft JhengHei" panose="020B0604030504040204" pitchFamily="34" charset="-120"/>
               </a:rPr>
-              <a:t>正 </a:t>
-            </a:r>
-            <a:r>
-              <a:rPr lang="en-US" altLang="zh-CN" sz="4267" b="1" dirty="0">
+              <a:t>正歌 </a:t>
+            </a:r>
+            <a:r>
+              <a:rPr lang="en-US" altLang="zh-CN" sz="3600" b="1" dirty="0">
                 <a:solidFill>
                   <a:srgbClr val="660033"/>
                 </a:solidFill>
@@ -4436,7 +4387,7 @@
               <a:t>2</a:t>
             </a:r>
             <a:r>
-              <a:rPr lang="en-US" sz="4267" b="1" dirty="0">
+              <a:rPr lang="en-US" sz="3600" b="1" dirty="0">
                 <a:solidFill>
                   <a:srgbClr val="660033"/>
                 </a:solidFill>
@@ -4445,7 +4396,7 @@
               </a:rPr>
               <a:t> )</a:t>
             </a:r>
-            <a:endParaRPr lang="vi-VN" sz="4267" b="1" dirty="0">
+            <a:endParaRPr lang="vi-VN" sz="3600" b="1" dirty="0">
               <a:solidFill>
                 <a:srgbClr val="660033"/>
               </a:solidFill>
@@ -4560,7 +4511,7 @@
         <p:spPr>
           <a:xfrm>
             <a:off x="0" y="5157192"/>
-            <a:ext cx="12192000" cy="748988"/>
+            <a:ext cx="12192000" cy="646331"/>
           </a:xfrm>
           <a:prstGeom prst="rect">
             <a:avLst/>
@@ -4575,7 +4526,7 @@
           <a:p>
             <a:pPr algn="ctr"/>
             <a:r>
-              <a:rPr lang="en-US" sz="4267" b="1" dirty="0">
+              <a:rPr lang="en-US" sz="3600" b="1" dirty="0">
                 <a:solidFill>
                   <a:srgbClr val="660033"/>
                 </a:solidFill>
@@ -4585,17 +4536,17 @@
               <a:t>( </a:t>
             </a:r>
             <a:r>
-              <a:rPr lang="zh-CN" altLang="en-US" sz="4267" b="1" dirty="0">
+              <a:rPr lang="zh-CN" altLang="en-US" sz="3600" b="1" dirty="0">
                 <a:solidFill>
                   <a:srgbClr val="660033"/>
                 </a:solidFill>
                 <a:latin typeface="Microsoft JhengHei" panose="020B0604030504040204" pitchFamily="34" charset="-120"/>
                 <a:ea typeface="Microsoft JhengHei" panose="020B0604030504040204" pitchFamily="34" charset="-120"/>
               </a:rPr>
-              <a:t>副 </a:t>
-            </a:r>
-            <a:r>
-              <a:rPr lang="en-US" altLang="zh-CN" sz="4267" b="1" dirty="0">
+              <a:t>副歌 </a:t>
+            </a:r>
+            <a:r>
+              <a:rPr lang="en-US" altLang="zh-CN" sz="3600" b="1" dirty="0">
                 <a:solidFill>
                   <a:srgbClr val="660033"/>
                 </a:solidFill>
@@ -4605,7 +4556,7 @@
               <a:t>2</a:t>
             </a:r>
             <a:r>
-              <a:rPr lang="en-US" sz="4267" b="1" dirty="0">
+              <a:rPr lang="en-US" sz="3600" b="1" dirty="0">
                 <a:solidFill>
                   <a:srgbClr val="660033"/>
                 </a:solidFill>
@@ -4614,7 +4565,7 @@
               </a:rPr>
               <a:t> )</a:t>
             </a:r>
-            <a:endParaRPr lang="vi-VN" sz="4267" b="1" dirty="0">
+            <a:endParaRPr lang="vi-VN" sz="3600" b="1" dirty="0">
               <a:solidFill>
                 <a:srgbClr val="660033"/>
               </a:solidFill>
@@ -4729,7 +4680,7 @@
         <p:spPr>
           <a:xfrm>
             <a:off x="0" y="5157192"/>
-            <a:ext cx="12192000" cy="748988"/>
+            <a:ext cx="12192000" cy="646331"/>
           </a:xfrm>
           <a:prstGeom prst="rect">
             <a:avLst/>
@@ -4744,7 +4695,7 @@
           <a:p>
             <a:pPr algn="ctr"/>
             <a:r>
-              <a:rPr lang="en-US" sz="4267" b="1" dirty="0">
+              <a:rPr lang="en-US" sz="3600" b="1" dirty="0">
                 <a:solidFill>
                   <a:srgbClr val="660033"/>
                 </a:solidFill>
@@ -4754,17 +4705,17 @@
               <a:t>( </a:t>
             </a:r>
             <a:r>
-              <a:rPr lang="zh-CN" altLang="en-US" sz="4267" b="1" dirty="0">
+              <a:rPr lang="zh-CN" altLang="en-US" sz="3600" b="1" dirty="0">
                 <a:solidFill>
                   <a:srgbClr val="660033"/>
                 </a:solidFill>
                 <a:latin typeface="Microsoft JhengHei" panose="020B0604030504040204" pitchFamily="34" charset="-120"/>
                 <a:ea typeface="Microsoft JhengHei" panose="020B0604030504040204" pitchFamily="34" charset="-120"/>
               </a:rPr>
-              <a:t>副 </a:t>
-            </a:r>
-            <a:r>
-              <a:rPr lang="en-US" altLang="zh-CN" sz="4267" b="1" dirty="0">
+              <a:t>副歌 </a:t>
+            </a:r>
+            <a:r>
+              <a:rPr lang="en-US" altLang="zh-CN" sz="3600" b="1" dirty="0">
                 <a:solidFill>
                   <a:srgbClr val="660033"/>
                 </a:solidFill>
@@ -4774,7 +4725,7 @@
               <a:t>2</a:t>
             </a:r>
             <a:r>
-              <a:rPr lang="en-US" sz="4267" b="1" dirty="0">
+              <a:rPr lang="en-US" sz="3600" b="1" dirty="0">
                 <a:solidFill>
                   <a:srgbClr val="660033"/>
                 </a:solidFill>
@@ -4783,7 +4734,7 @@
               </a:rPr>
               <a:t> )</a:t>
             </a:r>
-            <a:endParaRPr lang="vi-VN" sz="4267" b="1" dirty="0">
+            <a:endParaRPr lang="vi-VN" sz="3600" b="1" dirty="0">
               <a:solidFill>
                 <a:srgbClr val="660033"/>
               </a:solidFill>
